--- a/02_code_organisation/MLOps.pptx
+++ b/02_code_organisation/MLOps.pptx
@@ -5,19 +5,22 @@
     <p:sldMasterId id="2147483648" r:id="rId1"/>
   </p:sldMasterIdLst>
   <p:notesMasterIdLst>
-    <p:notesMasterId r:id="rId9"/>
+    <p:notesMasterId r:id="rId12"/>
   </p:notesMasterIdLst>
   <p:handoutMasterIdLst>
-    <p:handoutMasterId r:id="rId10"/>
+    <p:handoutMasterId r:id="rId13"/>
   </p:handoutMasterIdLst>
   <p:sldIdLst>
     <p:sldId id="256" r:id="rId2"/>
     <p:sldId id="257" r:id="rId3"/>
-    <p:sldId id="258" r:id="rId4"/>
-    <p:sldId id="259" r:id="rId5"/>
-    <p:sldId id="260" r:id="rId6"/>
-    <p:sldId id="261" r:id="rId7"/>
-    <p:sldId id="262" r:id="rId8"/>
+    <p:sldId id="263" r:id="rId4"/>
+    <p:sldId id="264" r:id="rId5"/>
+    <p:sldId id="265" r:id="rId6"/>
+    <p:sldId id="258" r:id="rId7"/>
+    <p:sldId id="259" r:id="rId8"/>
+    <p:sldId id="260" r:id="rId9"/>
+    <p:sldId id="261" r:id="rId10"/>
+    <p:sldId id="262" r:id="rId11"/>
   </p:sldIdLst>
   <p:sldSz cx="12192000" cy="6858000"/>
   <p:notesSz cx="6858000" cy="9144000"/>
@@ -221,7 +224,7 @@
           <a:p>
             <a:fld id="{D75CAE95-D2DD-4998-876A-092BFD628C65}" type="datetimeFigureOut">
               <a:rPr lang="da-DK" smtClean="0"/>
-              <a:t>06-05-2021</a:t>
+              <a:t>13-05-2021</a:t>
             </a:fld>
             <a:endParaRPr lang="da-DK"/>
           </a:p>
@@ -399,7 +402,7 @@
           <a:p>
             <a:fld id="{1DA8E099-58AA-4136-B409-1CAD1943D842}" type="datetimeFigureOut">
               <a:rPr lang="da-DK" smtClean="0"/>
-              <a:t>06-05-2021</a:t>
+              <a:t>13-05-2021</a:t>
             </a:fld>
             <a:endParaRPr lang="da-DK"/>
           </a:p>
@@ -817,7 +820,7 @@
           <a:p>
             <a:fld id="{C85334AD-9960-4065-BF34-86ED0345A76D}" type="datetime1">
               <a:rPr lang="en-US" smtClean="0"/>
-              <a:t>5/6/2021</a:t>
+              <a:t>5/13/2021</a:t>
             </a:fld>
             <a:endParaRPr lang="da-DK"/>
           </a:p>
@@ -1056,7 +1059,7 @@
           <a:p>
             <a:fld id="{C5669758-3775-48D7-A841-693E908C3BF4}" type="datetime1">
               <a:rPr lang="en-US" smtClean="0"/>
-              <a:t>5/6/2021</a:t>
+              <a:t>5/13/2021</a:t>
             </a:fld>
             <a:endParaRPr lang="da-DK"/>
           </a:p>
@@ -1269,7 +1272,7 @@
           <a:p>
             <a:fld id="{1E0C3FF1-EDBD-4F2A-8366-34A4E3728310}" type="datetime1">
               <a:rPr lang="en-US" smtClean="0"/>
-              <a:t>5/6/2021</a:t>
+              <a:t>5/13/2021</a:t>
             </a:fld>
             <a:endParaRPr lang="da-DK"/>
           </a:p>
@@ -1490,7 +1493,7 @@
           <a:p>
             <a:fld id="{019E29B9-5584-4737-9C98-1B926378C778}" type="datetime1">
               <a:rPr lang="en-US" smtClean="0"/>
-              <a:t>5/6/2021</a:t>
+              <a:t>5/13/2021</a:t>
             </a:fld>
             <a:endParaRPr lang="da-DK"/>
           </a:p>
@@ -1805,7 +1808,7 @@
           <a:p>
             <a:fld id="{FCE38F03-F67D-4508-A858-99FCD085087C}" type="datetime1">
               <a:rPr lang="en-US" smtClean="0"/>
-              <a:t>5/6/2021</a:t>
+              <a:t>5/13/2021</a:t>
             </a:fld>
             <a:endParaRPr lang="da-DK"/>
           </a:p>
@@ -2076,7 +2079,7 @@
           <a:p>
             <a:fld id="{B43F2930-3FFD-4F93-A4BD-4F0D1A0B4514}" type="datetime1">
               <a:rPr lang="en-US" smtClean="0"/>
-              <a:t>5/6/2021</a:t>
+              <a:t>5/13/2021</a:t>
             </a:fld>
             <a:endParaRPr lang="da-DK"/>
           </a:p>
@@ -2494,7 +2497,7 @@
           <a:p>
             <a:fld id="{8E0F9B9B-30CC-4693-8E0F-1A94A979E2C5}" type="datetime1">
               <a:rPr lang="en-US" smtClean="0"/>
-              <a:t>5/6/2021</a:t>
+              <a:t>5/13/2021</a:t>
             </a:fld>
             <a:endParaRPr lang="da-DK"/>
           </a:p>
@@ -2639,7 +2642,7 @@
           <a:p>
             <a:fld id="{6FE1433B-E6A7-44FF-8B55-539471B4D7C5}" type="datetime1">
               <a:rPr lang="en-US" smtClean="0"/>
-              <a:t>5/6/2021</a:t>
+              <a:t>5/13/2021</a:t>
             </a:fld>
             <a:endParaRPr lang="da-DK"/>
           </a:p>
@@ -2755,7 +2758,7 @@
           <a:p>
             <a:fld id="{624F4001-6A8C-42DA-824F-B5CC1375B861}" type="datetime1">
               <a:rPr lang="en-US" smtClean="0"/>
-              <a:t>5/6/2021</a:t>
+              <a:t>5/13/2021</a:t>
             </a:fld>
             <a:endParaRPr lang="da-DK"/>
           </a:p>
@@ -3071,7 +3074,7 @@
           <a:p>
             <a:fld id="{2D3BE137-2C5E-4078-8BA2-7D42D7E67218}" type="datetime1">
               <a:rPr lang="en-US" smtClean="0"/>
-              <a:t>5/6/2021</a:t>
+              <a:t>5/13/2021</a:t>
             </a:fld>
             <a:endParaRPr lang="da-DK"/>
           </a:p>
@@ -3363,7 +3366,7 @@
           <a:p>
             <a:fld id="{0D1436FF-56D3-4E93-92E8-71121EAB120E}" type="datetime1">
               <a:rPr lang="en-US" smtClean="0"/>
-              <a:t>5/6/2021</a:t>
+              <a:t>5/13/2021</a:t>
             </a:fld>
             <a:endParaRPr lang="da-DK"/>
           </a:p>
@@ -3609,7 +3612,7 @@
           <a:p>
             <a:fld id="{16601EF2-4BCA-4009-ACCF-B97F259DEF6F}" type="datetime1">
               <a:rPr lang="en-US" smtClean="0"/>
-              <a:t>5/6/2021</a:t>
+              <a:t>5/13/2021</a:t>
             </a:fld>
             <a:endParaRPr lang="da-DK"/>
           </a:p>
@@ -4132,6 +4135,217 @@
 </p:sld>
 </file>
 
+<file path=ppt/slides/slide10.xml><?xml version="1.0" encoding="utf-8"?>
+<p:sld xmlns:a="http://schemas.openxmlformats.org/drawingml/2006/main" xmlns:r="http://schemas.openxmlformats.org/officeDocument/2006/relationships" xmlns:p="http://schemas.openxmlformats.org/presentationml/2006/main">
+  <p:cSld>
+    <p:spTree>
+      <p:nvGrpSpPr>
+        <p:cNvPr id="1" name=""/>
+        <p:cNvGrpSpPr/>
+        <p:nvPr/>
+      </p:nvGrpSpPr>
+      <p:grpSpPr>
+        <a:xfrm>
+          <a:off x="0" y="0"/>
+          <a:ext cx="0" cy="0"/>
+          <a:chOff x="0" y="0"/>
+          <a:chExt cx="0" cy="0"/>
+        </a:xfrm>
+      </p:grpSpPr>
+      <p:sp>
+        <p:nvSpPr>
+          <p:cNvPr id="2" name="Title 1">
+            <a:extLst>
+              <a:ext uri="{FF2B5EF4-FFF2-40B4-BE49-F238E27FC236}">
+                <a16:creationId xmlns:a16="http://schemas.microsoft.com/office/drawing/2014/main" id="{6BE5F6FC-4FE8-431A-AD09-C811B0880343}"/>
+              </a:ext>
+            </a:extLst>
+          </p:cNvPr>
+          <p:cNvSpPr>
+            <a:spLocks noGrp="1"/>
+          </p:cNvSpPr>
+          <p:nvPr>
+            <p:ph type="title"/>
+          </p:nvPr>
+        </p:nvSpPr>
+        <p:spPr/>
+        <p:txBody>
+          <a:bodyPr/>
+          <a:lstStyle/>
+          <a:p>
+            <a:r>
+              <a:rPr lang="da-DK" dirty="0"/>
+              <a:t>Getting organised</a:t>
+            </a:r>
+          </a:p>
+        </p:txBody>
+      </p:sp>
+      <p:sp>
+        <p:nvSpPr>
+          <p:cNvPr id="3" name="Content Placeholder 2">
+            <a:extLst>
+              <a:ext uri="{FF2B5EF4-FFF2-40B4-BE49-F238E27FC236}">
+                <a16:creationId xmlns:a16="http://schemas.microsoft.com/office/drawing/2014/main" id="{B0CC81D8-5F09-415D-B1E8-1C32064AB27D}"/>
+              </a:ext>
+            </a:extLst>
+          </p:cNvPr>
+          <p:cNvSpPr>
+            <a:spLocks noGrp="1"/>
+          </p:cNvSpPr>
+          <p:nvPr>
+            <p:ph idx="1"/>
+          </p:nvPr>
+        </p:nvSpPr>
+        <p:spPr/>
+        <p:txBody>
+          <a:bodyPr/>
+          <a:lstStyle/>
+          <a:p>
+            <a:pPr marL="0" indent="0">
+              <a:buNone/>
+            </a:pPr>
+            <a:r>
+              <a:rPr lang="da-DK" dirty="0"/>
+              <a:t>Todays exercises is all about organising your workflow.</a:t>
+            </a:r>
+          </a:p>
+          <a:p>
+            <a:pPr marL="0" indent="0">
+              <a:buNone/>
+            </a:pPr>
+            <a:r>
+              <a:rPr lang="da-DK" dirty="0"/>
+              <a:t>Note that</a:t>
+            </a:r>
+          </a:p>
+          <a:p>
+            <a:r>
+              <a:rPr lang="da-DK" dirty="0"/>
+              <a:t>While organization is maybe not that big of a deal on personal projects, it is a essential factor when working on large scale projects</a:t>
+            </a:r>
+          </a:p>
+          <a:p>
+            <a:endParaRPr lang="da-DK" dirty="0"/>
+          </a:p>
+          <a:p>
+            <a:pPr marL="0" indent="0">
+              <a:buNone/>
+            </a:pPr>
+            <a:endParaRPr lang="da-DK" dirty="0"/>
+          </a:p>
+          <a:p>
+            <a:pPr marL="0" indent="0">
+              <a:buNone/>
+            </a:pPr>
+            <a:endParaRPr lang="da-DK" dirty="0"/>
+          </a:p>
+          <a:p>
+            <a:pPr marL="0" indent="0">
+              <a:buNone/>
+            </a:pPr>
+            <a:endParaRPr lang="da-DK" dirty="0"/>
+          </a:p>
+        </p:txBody>
+      </p:sp>
+      <p:sp>
+        <p:nvSpPr>
+          <p:cNvPr id="4" name="Date Placeholder 3">
+            <a:extLst>
+              <a:ext uri="{FF2B5EF4-FFF2-40B4-BE49-F238E27FC236}">
+                <a16:creationId xmlns:a16="http://schemas.microsoft.com/office/drawing/2014/main" id="{58929028-2551-448C-B7F4-20EF5258E0AD}"/>
+              </a:ext>
+            </a:extLst>
+          </p:cNvPr>
+          <p:cNvSpPr>
+            <a:spLocks noGrp="1"/>
+          </p:cNvSpPr>
+          <p:nvPr>
+            <p:ph type="dt" sz="half" idx="10"/>
+          </p:nvPr>
+        </p:nvSpPr>
+        <p:spPr/>
+        <p:txBody>
+          <a:bodyPr/>
+          <a:lstStyle/>
+          <a:p>
+            <a:fld id="{019E29B9-5584-4737-9C98-1B926378C778}" type="datetime1">
+              <a:rPr lang="en-US" smtClean="0"/>
+              <a:t>5/13/2021</a:t>
+            </a:fld>
+            <a:endParaRPr lang="da-DK"/>
+          </a:p>
+        </p:txBody>
+      </p:sp>
+      <p:sp>
+        <p:nvSpPr>
+          <p:cNvPr id="5" name="Footer Placeholder 4">
+            <a:extLst>
+              <a:ext uri="{FF2B5EF4-FFF2-40B4-BE49-F238E27FC236}">
+                <a16:creationId xmlns:a16="http://schemas.microsoft.com/office/drawing/2014/main" id="{1503B068-B404-4A2D-B2FB-D318C5FF8C6C}"/>
+              </a:ext>
+            </a:extLst>
+          </p:cNvPr>
+          <p:cNvSpPr>
+            <a:spLocks noGrp="1"/>
+          </p:cNvSpPr>
+          <p:nvPr>
+            <p:ph type="ftr" sz="quarter" idx="11"/>
+          </p:nvPr>
+        </p:nvSpPr>
+        <p:spPr/>
+        <p:txBody>
+          <a:bodyPr/>
+          <a:lstStyle/>
+          <a:p>
+            <a:r>
+              <a:rPr lang="da-DK"/>
+              <a:t>Nicki Skafte Detlefsen</a:t>
+            </a:r>
+          </a:p>
+        </p:txBody>
+      </p:sp>
+      <p:sp>
+        <p:nvSpPr>
+          <p:cNvPr id="6" name="Slide Number Placeholder 5">
+            <a:extLst>
+              <a:ext uri="{FF2B5EF4-FFF2-40B4-BE49-F238E27FC236}">
+                <a16:creationId xmlns:a16="http://schemas.microsoft.com/office/drawing/2014/main" id="{5BC15310-A02D-47C6-AE42-9A4DF0E0D126}"/>
+              </a:ext>
+            </a:extLst>
+          </p:cNvPr>
+          <p:cNvSpPr>
+            <a:spLocks noGrp="1"/>
+          </p:cNvSpPr>
+          <p:nvPr>
+            <p:ph type="sldNum" sz="quarter" idx="12"/>
+          </p:nvPr>
+        </p:nvSpPr>
+        <p:spPr/>
+        <p:txBody>
+          <a:bodyPr/>
+          <a:lstStyle/>
+          <a:p>
+            <a:fld id="{F6FEDE24-D50C-481B-A7B4-8AF13899101A}" type="slidenum">
+              <a:rPr lang="da-DK" smtClean="0"/>
+              <a:t>10</a:t>
+            </a:fld>
+            <a:endParaRPr lang="da-DK"/>
+          </a:p>
+        </p:txBody>
+      </p:sp>
+    </p:spTree>
+    <p:extLst>
+      <p:ext uri="{BB962C8B-B14F-4D97-AF65-F5344CB8AC3E}">
+        <p14:creationId xmlns:p14="http://schemas.microsoft.com/office/powerpoint/2010/main" val="3149619811"/>
+      </p:ext>
+    </p:extLst>
+  </p:cSld>
+  <p:clrMapOvr>
+    <a:masterClrMapping/>
+  </p:clrMapOvr>
+</p:sld>
+</file>
+
 <file path=ppt/slides/slide2.xml><?xml version="1.0" encoding="utf-8"?>
 <p:sld xmlns:a="http://schemas.openxmlformats.org/drawingml/2006/main" xmlns:r="http://schemas.openxmlformats.org/officeDocument/2006/relationships" xmlns:p="http://schemas.openxmlformats.org/presentationml/2006/main">
   <p:cSld>
@@ -4207,8 +4421,60 @@
               <a:buNone/>
             </a:pPr>
             <a:r>
-              <a:rPr lang="da-DK" dirty="0"/>
-              <a:t>Everything required to keep a model working for long periods of time</a:t>
+              <a:rPr lang="da-DK" i="1" dirty="0"/>
+              <a:t>Is a set of </a:t>
+            </a:r>
+            <a:r>
+              <a:rPr lang="da-DK" i="1" u="sng" dirty="0"/>
+              <a:t>tools</a:t>
+            </a:r>
+            <a:r>
+              <a:rPr lang="da-DK" i="1" dirty="0"/>
+              <a:t>, </a:t>
+            </a:r>
+            <a:r>
+              <a:rPr lang="da-DK" i="1" u="sng" dirty="0"/>
+              <a:t>processes</a:t>
+            </a:r>
+            <a:r>
+              <a:rPr lang="da-DK" i="1" dirty="0"/>
+              <a:t>, and </a:t>
+            </a:r>
+            <a:r>
+              <a:rPr lang="da-DK" i="1" u="sng" dirty="0"/>
+              <a:t>mindset</a:t>
+            </a:r>
+            <a:r>
+              <a:rPr lang="da-DK" i="1" dirty="0"/>
+              <a:t> that aim to make ML Lifecycle </a:t>
+            </a:r>
+            <a:r>
+              <a:rPr lang="da-DK" b="1" i="1" dirty="0"/>
+              <a:t>reproducible</a:t>
+            </a:r>
+            <a:r>
+              <a:rPr lang="da-DK" i="1" dirty="0"/>
+              <a:t>, </a:t>
+            </a:r>
+            <a:r>
+              <a:rPr lang="da-DK" b="1" i="1" dirty="0"/>
+              <a:t>trackable</a:t>
+            </a:r>
+            <a:r>
+              <a:rPr lang="da-DK" i="1" dirty="0"/>
+              <a:t>, </a:t>
+            </a:r>
+            <a:r>
+              <a:rPr lang="da-DK" b="1" i="1" dirty="0"/>
+              <a:t>testable</a:t>
+            </a:r>
+            <a:r>
+              <a:rPr lang="da-DK" i="1" dirty="0"/>
+              <a:t> and </a:t>
+            </a:r>
+            <a:r>
+              <a:rPr lang="da-DK" b="1" i="1" dirty="0"/>
+              <a:t>maintainable</a:t>
             </a:r>
           </a:p>
           <a:p>
@@ -4251,7 +4517,7 @@
           <a:p>
             <a:fld id="{019E29B9-5584-4737-9C98-1B926378C778}" type="datetime1">
               <a:rPr lang="en-US" smtClean="0"/>
-              <a:t>5/6/2021</a:t>
+              <a:t>5/13/2021</a:t>
             </a:fld>
             <a:endParaRPr lang="da-DK"/>
           </a:p>
@@ -4385,7 +4651,7 @@
           <p:cNvPr id="2" name="Title 1">
             <a:extLst>
               <a:ext uri="{FF2B5EF4-FFF2-40B4-BE49-F238E27FC236}">
-                <a16:creationId xmlns:a16="http://schemas.microsoft.com/office/drawing/2014/main" id="{F3EE0E10-FDA9-4B7D-A493-FBF6E7E47DF4}"/>
+                <a16:creationId xmlns:a16="http://schemas.microsoft.com/office/drawing/2014/main" id="{222EDEBA-8888-49C2-965D-24D27A2EB47E}"/>
               </a:ext>
             </a:extLst>
           </p:cNvPr>
@@ -4403,7 +4669,7 @@
           <a:p>
             <a:r>
               <a:rPr lang="da-DK" dirty="0"/>
-              <a:t>Design</a:t>
+              <a:t>Why should you care?</a:t>
             </a:r>
           </a:p>
         </p:txBody>
@@ -4413,7 +4679,7 @@
           <p:cNvPr id="3" name="Content Placeholder 2">
             <a:extLst>
               <a:ext uri="{FF2B5EF4-FFF2-40B4-BE49-F238E27FC236}">
-                <a16:creationId xmlns:a16="http://schemas.microsoft.com/office/drawing/2014/main" id="{75AEB1BF-D821-42C8-A483-4366CA031BDD}"/>
+                <a16:creationId xmlns:a16="http://schemas.microsoft.com/office/drawing/2014/main" id="{C4B963D8-F76A-4B45-BBF6-BD94BF3C3867}"/>
               </a:ext>
             </a:extLst>
           </p:cNvPr>
@@ -4429,38 +4695,12 @@
           <a:bodyPr/>
           <a:lstStyle/>
           <a:p>
-            <a:r>
-              <a:rPr lang="da-DK" dirty="0"/>
-              <a:t>The is the main part we train you at DTU</a:t>
-            </a:r>
-          </a:p>
-          <a:p>
-            <a:pPr lvl="1"/>
-            <a:r>
-              <a:rPr lang="da-DK" dirty="0"/>
-              <a:t>Analyze a problem</a:t>
-            </a:r>
-          </a:p>
-          <a:p>
-            <a:pPr lvl="1"/>
-            <a:endParaRPr lang="da-DK" dirty="0"/>
-          </a:p>
-          <a:p>
-            <a:pPr lvl="1"/>
-            <a:r>
-              <a:rPr lang="da-DK" dirty="0"/>
-              <a:t>Look in litterature for references</a:t>
-            </a:r>
-          </a:p>
-          <a:p>
-            <a:pPr lvl="1"/>
-            <a:endParaRPr lang="da-DK" dirty="0"/>
-          </a:p>
-          <a:p>
-            <a:pPr lvl="1"/>
-            <a:r>
-              <a:rPr lang="da-DK" dirty="0"/>
-              <a:t>Check if you have access to data for investigating this</a:t>
+            <a:pPr marL="0" indent="0">
+              <a:buNone/>
+            </a:pPr>
+            <a:r>
+              <a:rPr lang="en-US" dirty="0"/>
+              <a:t>Teeny tiny part is actual ML code, the rest is operations</a:t>
             </a:r>
           </a:p>
         </p:txBody>
@@ -4470,7 +4710,7 @@
           <p:cNvPr id="4" name="Date Placeholder 3">
             <a:extLst>
               <a:ext uri="{FF2B5EF4-FFF2-40B4-BE49-F238E27FC236}">
-                <a16:creationId xmlns:a16="http://schemas.microsoft.com/office/drawing/2014/main" id="{47F83E5C-46B0-46AC-B851-786890FA42FD}"/>
+                <a16:creationId xmlns:a16="http://schemas.microsoft.com/office/drawing/2014/main" id="{EA08A426-5EBD-43AE-8CF4-73DAFDE9BDAF}"/>
               </a:ext>
             </a:extLst>
           </p:cNvPr>
@@ -4488,7 +4728,7 @@
           <a:p>
             <a:fld id="{019E29B9-5584-4737-9C98-1B926378C778}" type="datetime1">
               <a:rPr lang="en-US" smtClean="0"/>
-              <a:t>5/6/2021</a:t>
+              <a:t>5/13/2021</a:t>
             </a:fld>
             <a:endParaRPr lang="da-DK"/>
           </a:p>
@@ -4499,7 +4739,7 @@
           <p:cNvPr id="5" name="Footer Placeholder 4">
             <a:extLst>
               <a:ext uri="{FF2B5EF4-FFF2-40B4-BE49-F238E27FC236}">
-                <a16:creationId xmlns:a16="http://schemas.microsoft.com/office/drawing/2014/main" id="{FB834890-689F-4F9B-81AD-F1E230E8DA47}"/>
+                <a16:creationId xmlns:a16="http://schemas.microsoft.com/office/drawing/2014/main" id="{B6957B70-F171-4656-B48B-8D7423802BBF}"/>
               </a:ext>
             </a:extLst>
           </p:cNvPr>
@@ -4527,7 +4767,7 @@
           <p:cNvPr id="6" name="Slide Number Placeholder 5">
             <a:extLst>
               <a:ext uri="{FF2B5EF4-FFF2-40B4-BE49-F238E27FC236}">
-                <a16:creationId xmlns:a16="http://schemas.microsoft.com/office/drawing/2014/main" id="{B6D8BCA8-A308-4056-9659-FCF8E4624824}"/>
+                <a16:creationId xmlns:a16="http://schemas.microsoft.com/office/drawing/2014/main" id="{A4DC9BB4-9215-4C9F-9333-AA65DD7FB19E}"/>
               </a:ext>
             </a:extLst>
           </p:cNvPr>
@@ -4553,10 +4793,10 @@
       </p:sp>
       <p:pic>
         <p:nvPicPr>
-          <p:cNvPr id="7" name="Picture 6" descr="Diagram&#10;&#10;Description automatically generated">
-            <a:extLst>
-              <a:ext uri="{FF2B5EF4-FFF2-40B4-BE49-F238E27FC236}">
-                <a16:creationId xmlns:a16="http://schemas.microsoft.com/office/drawing/2014/main" id="{079FE9E9-DED2-47B7-8A31-3C8CE1648511}"/>
+          <p:cNvPr id="8" name="Picture 7" descr="Diagram&#10;&#10;Description automatically generated">
+            <a:extLst>
+              <a:ext uri="{FF2B5EF4-FFF2-40B4-BE49-F238E27FC236}">
+                <a16:creationId xmlns:a16="http://schemas.microsoft.com/office/drawing/2014/main" id="{F1BC5B12-B353-426F-9E0D-69DF87A29EB2}"/>
               </a:ext>
             </a:extLst>
           </p:cNvPr>
@@ -4565,7 +4805,7 @@
           </p:cNvPicPr>
           <p:nvPr/>
         </p:nvPicPr>
-        <p:blipFill rotWithShape="1">
+        <p:blipFill>
           <a:blip r:embed="rId2">
             <a:extLst>
               <a:ext uri="{28A0092B-C50C-407E-A947-70E740481C1C}">
@@ -4573,23 +4813,209 @@
               </a:ext>
             </a:extLst>
           </a:blip>
-          <a:srcRect r="65948"/>
-          <a:stretch/>
+          <a:stretch>
+            <a:fillRect/>
+          </a:stretch>
         </p:blipFill>
         <p:spPr>
           <a:xfrm>
-            <a:off x="8936061" y="1099026"/>
-            <a:ext cx="2417739" cy="5322518"/>
+            <a:off x="0" y="1733085"/>
+            <a:ext cx="12192000" cy="3391829"/>
           </a:xfrm>
           <a:prstGeom prst="rect">
             <a:avLst/>
           </a:prstGeom>
         </p:spPr>
       </p:pic>
+      <p:sp>
+        <p:nvSpPr>
+          <p:cNvPr id="10" name="Rectangle 2">
+            <a:extLst>
+              <a:ext uri="{FF2B5EF4-FFF2-40B4-BE49-F238E27FC236}">
+                <a16:creationId xmlns:a16="http://schemas.microsoft.com/office/drawing/2014/main" id="{715D7E36-064D-4E8C-BBD8-AE960F42562F}"/>
+              </a:ext>
+            </a:extLst>
+          </p:cNvPr>
+          <p:cNvSpPr>
+            <a:spLocks noChangeArrowheads="1"/>
+          </p:cNvSpPr>
+          <p:nvPr/>
+        </p:nvSpPr>
+        <p:spPr bwMode="auto">
+          <a:xfrm>
+            <a:off x="838200" y="5124914"/>
+            <a:ext cx="10186587" cy="553998"/>
+          </a:xfrm>
+          <a:prstGeom prst="rect">
+            <a:avLst/>
+          </a:prstGeom>
+          <a:noFill/>
+          <a:ln>
+            <a:noFill/>
+          </a:ln>
+          <a:effectLst/>
+          <a:extLst>
+            <a:ext uri="{909E8E84-426E-40DD-AFC4-6F175D3DCCD1}">
+              <a14:hiddenFill xmlns:a14="http://schemas.microsoft.com/office/drawing/2010/main">
+                <a:solidFill>
+                  <a:schemeClr val="accent1"/>
+                </a:solidFill>
+              </a14:hiddenFill>
+            </a:ext>
+            <a:ext uri="{91240B29-F687-4F45-9708-019B960494DF}">
+              <a14:hiddenLine xmlns:a14="http://schemas.microsoft.com/office/drawing/2010/main" w="9525">
+                <a:solidFill>
+                  <a:schemeClr val="tx1"/>
+                </a:solidFill>
+                <a:miter lim="800000"/>
+                <a:headEnd/>
+                <a:tailEnd/>
+              </a14:hiddenLine>
+            </a:ext>
+            <a:ext uri="{AF507438-7753-43E0-B8FC-AC1667EBCBE1}">
+              <a14:hiddenEffects xmlns:a14="http://schemas.microsoft.com/office/drawing/2010/main">
+                <a:effectLst>
+                  <a:outerShdw dist="35921" dir="2700000" algn="ctr" rotWithShape="0">
+                    <a:schemeClr val="bg2"/>
+                  </a:outerShdw>
+                </a:effectLst>
+              </a14:hiddenEffects>
+            </a:ext>
+          </a:extLst>
+        </p:spPr>
+        <p:txBody>
+          <a:bodyPr vert="horz" wrap="square" lIns="91440" tIns="45720" rIns="91440" bIns="45720" numCol="1" anchor="ctr" anchorCtr="0" compatLnSpc="1">
+            <a:prstTxWarp prst="textNoShape">
+              <a:avLst/>
+            </a:prstTxWarp>
+            <a:spAutoFit/>
+          </a:bodyPr>
+          <a:lstStyle/>
+          <a:p>
+            <a:pPr marL="0" marR="0" lvl="0" indent="0" algn="l" defTabSz="914400" rtl="0" eaLnBrk="0" fontAlgn="base" latinLnBrk="0" hangingPunct="0">
+              <a:lnSpc>
+                <a:spcPct val="100000"/>
+              </a:lnSpc>
+              <a:spcBef>
+                <a:spcPct val="0"/>
+              </a:spcBef>
+              <a:spcAft>
+                <a:spcPct val="0"/>
+              </a:spcAft>
+              <a:buClrTx/>
+              <a:buSzTx/>
+              <a:buFontTx/>
+              <a:buNone/>
+              <a:tabLst/>
+            </a:pPr>
+            <a:r>
+              <a:rPr kumimoji="0" lang="da-DK" altLang="da-DK" sz="1000" b="0" i="0" u="none" strike="noStrike" cap="none" normalizeH="0" baseline="0" dirty="0">
+                <a:ln>
+                  <a:noFill/>
+                </a:ln>
+                <a:solidFill>
+                  <a:schemeClr val="tx1"/>
+                </a:solidFill>
+                <a:effectLst/>
+                <a:latin typeface="Arial Unicode MS"/>
+              </a:rPr>
+              <a:t>D. Sculley, Gary Holt, Daniel Golovin, Eugene Davydov, Todd Phillips, Dietmar Ebner, Vinay Chaudhary, Michael Young, Jean-Francois Crespo, and Dan Dennison. 2015. </a:t>
+            </a:r>
+            <a:r>
+              <a:rPr kumimoji="0" lang="da-DK" altLang="da-DK" sz="1000" b="1" i="0" u="none" strike="noStrike" cap="none" normalizeH="0" baseline="0" dirty="0">
+                <a:ln>
+                  <a:noFill/>
+                </a:ln>
+                <a:solidFill>
+                  <a:schemeClr val="tx1"/>
+                </a:solidFill>
+                <a:effectLst/>
+                <a:latin typeface="Arial Unicode MS"/>
+              </a:rPr>
+              <a:t>Hidden technical debt in Machine learning systems</a:t>
+            </a:r>
+            <a:r>
+              <a:rPr kumimoji="0" lang="da-DK" altLang="da-DK" sz="1000" b="0" i="0" u="none" strike="noStrike" cap="none" normalizeH="0" baseline="0" dirty="0">
+                <a:ln>
+                  <a:noFill/>
+                </a:ln>
+                <a:solidFill>
+                  <a:schemeClr val="tx1"/>
+                </a:solidFill>
+                <a:effectLst/>
+                <a:latin typeface="Arial Unicode MS"/>
+              </a:rPr>
+              <a:t>. In </a:t>
+            </a:r>
+            <a:r>
+              <a:rPr kumimoji="0" lang="da-DK" altLang="da-DK" sz="1000" b="0" i="1" u="none" strike="noStrike" cap="none" normalizeH="0" baseline="0" dirty="0">
+                <a:ln>
+                  <a:noFill/>
+                </a:ln>
+                <a:solidFill>
+                  <a:schemeClr val="tx1"/>
+                </a:solidFill>
+                <a:effectLst/>
+                <a:latin typeface="Arial Unicode MS"/>
+              </a:rPr>
+              <a:t>Proceedings of the 28th International Conference on Neural Information Processing Systems - Volume 2</a:t>
+            </a:r>
+            <a:r>
+              <a:rPr kumimoji="0" lang="da-DK" altLang="da-DK" sz="1000" b="0" i="0" u="none" strike="noStrike" cap="none" normalizeH="0" baseline="0" dirty="0">
+                <a:ln>
+                  <a:noFill/>
+                </a:ln>
+                <a:solidFill>
+                  <a:schemeClr val="tx1"/>
+                </a:solidFill>
+                <a:effectLst/>
+                <a:latin typeface="Arial Unicode MS"/>
+              </a:rPr>
+              <a:t> (</a:t>
+            </a:r>
+            <a:r>
+              <a:rPr kumimoji="0" lang="da-DK" altLang="da-DK" sz="1000" b="0" i="1" u="none" strike="noStrike" cap="none" normalizeH="0" baseline="0" dirty="0">
+                <a:ln>
+                  <a:noFill/>
+                </a:ln>
+                <a:solidFill>
+                  <a:schemeClr val="tx1"/>
+                </a:solidFill>
+                <a:effectLst/>
+                <a:latin typeface="Arial Unicode MS"/>
+              </a:rPr>
+              <a:t>NIPS'15</a:t>
+            </a:r>
+            <a:r>
+              <a:rPr kumimoji="0" lang="da-DK" altLang="da-DK" sz="1000" b="0" i="0" u="none" strike="noStrike" cap="none" normalizeH="0" baseline="0" dirty="0">
+                <a:ln>
+                  <a:noFill/>
+                </a:ln>
+                <a:solidFill>
+                  <a:schemeClr val="tx1"/>
+                </a:solidFill>
+                <a:effectLst/>
+                <a:latin typeface="Arial Unicode MS"/>
+              </a:rPr>
+              <a:t>). MIT Press, Cambridge, MA, USA, 2503–2511.</a:t>
+            </a:r>
+            <a:endParaRPr kumimoji="0" lang="da-DK" altLang="da-DK" sz="1800" b="0" i="0" u="none" strike="noStrike" cap="none" normalizeH="0" baseline="0" dirty="0">
+              <a:ln>
+                <a:noFill/>
+              </a:ln>
+              <a:solidFill>
+                <a:schemeClr val="tx1"/>
+              </a:solidFill>
+              <a:effectLst/>
+              <a:latin typeface="Arial" panose="020B0604020202020204" pitchFamily="34" charset="0"/>
+            </a:endParaRPr>
+          </a:p>
+        </p:txBody>
+      </p:sp>
     </p:spTree>
     <p:extLst>
       <p:ext uri="{BB962C8B-B14F-4D97-AF65-F5344CB8AC3E}">
-        <p14:creationId xmlns:p14="http://schemas.microsoft.com/office/powerpoint/2010/main" val="3856744393"/>
+        <p14:creationId xmlns:p14="http://schemas.microsoft.com/office/powerpoint/2010/main" val="2881470980"/>
       </p:ext>
     </p:extLst>
   </p:cSld>
@@ -4621,7 +5047,7 @@
           <p:cNvPr id="2" name="Title 1">
             <a:extLst>
               <a:ext uri="{FF2B5EF4-FFF2-40B4-BE49-F238E27FC236}">
-                <a16:creationId xmlns:a16="http://schemas.microsoft.com/office/drawing/2014/main" id="{E2D93338-17E9-466E-8D37-1AF3A9048878}"/>
+                <a16:creationId xmlns:a16="http://schemas.microsoft.com/office/drawing/2014/main" id="{3E125291-E2C8-4BA1-8E8F-7EF38FC65A01}"/>
               </a:ext>
             </a:extLst>
           </p:cNvPr>
@@ -4637,7 +5063,10 @@
           <a:bodyPr/>
           <a:lstStyle/>
           <a:p>
-            <a:endParaRPr lang="da-DK"/>
+            <a:r>
+              <a:rPr lang="da-DK" dirty="0"/>
+              <a:t>Why does companies care</a:t>
+            </a:r>
           </a:p>
         </p:txBody>
       </p:sp>
@@ -4646,7 +5075,7 @@
           <p:cNvPr id="3" name="Content Placeholder 2">
             <a:extLst>
               <a:ext uri="{FF2B5EF4-FFF2-40B4-BE49-F238E27FC236}">
-                <a16:creationId xmlns:a16="http://schemas.microsoft.com/office/drawing/2014/main" id="{14A91E1C-837E-4355-B886-2C58832A3E2E}"/>
+                <a16:creationId xmlns:a16="http://schemas.microsoft.com/office/drawing/2014/main" id="{475F09FD-F540-4FF6-9B53-83E66E4C4AB5}"/>
               </a:ext>
             </a:extLst>
           </p:cNvPr>
@@ -4657,14 +5086,54 @@
             <p:ph idx="1"/>
           </p:nvPr>
         </p:nvSpPr>
-        <p:spPr/>
+        <p:spPr>
+          <a:xfrm>
+            <a:off x="838200" y="1343608"/>
+            <a:ext cx="5385318" cy="4833355"/>
+          </a:xfrm>
+        </p:spPr>
         <p:txBody>
           <a:bodyPr/>
           <a:lstStyle/>
           <a:p>
             <a:r>
               <a:rPr lang="da-DK" dirty="0"/>
-              <a:t>This is model specific </a:t>
+              <a:t>ML automatization is going to increase over the years</a:t>
+            </a:r>
+          </a:p>
+          <a:p>
+            <a:r>
+              <a:rPr lang="da-DK" dirty="0"/>
+              <a:t>Examples:</a:t>
+            </a:r>
+          </a:p>
+          <a:p>
+            <a:pPr lvl="1"/>
+            <a:r>
+              <a:rPr lang="da-DK" dirty="0"/>
+              <a:t>Which stocks to buy or sell?</a:t>
+            </a:r>
+          </a:p>
+          <a:p>
+            <a:pPr lvl="1"/>
+            <a:endParaRPr lang="da-DK" dirty="0"/>
+          </a:p>
+          <a:p>
+            <a:pPr lvl="1"/>
+            <a:r>
+              <a:rPr lang="da-DK" dirty="0"/>
+              <a:t>Where is the tumor in the picture</a:t>
+            </a:r>
+          </a:p>
+          <a:p>
+            <a:pPr lvl="1"/>
+            <a:endParaRPr lang="da-DK" dirty="0"/>
+          </a:p>
+          <a:p>
+            <a:pPr lvl="1"/>
+            <a:r>
+              <a:rPr lang="da-DK" dirty="0"/>
+              <a:t>What should be the price of a banana today? </a:t>
             </a:r>
           </a:p>
         </p:txBody>
@@ -4674,7 +5143,7 @@
           <p:cNvPr id="4" name="Date Placeholder 3">
             <a:extLst>
               <a:ext uri="{FF2B5EF4-FFF2-40B4-BE49-F238E27FC236}">
-                <a16:creationId xmlns:a16="http://schemas.microsoft.com/office/drawing/2014/main" id="{AF3F9502-1954-4AB2-AFFB-58E60E4F0912}"/>
+                <a16:creationId xmlns:a16="http://schemas.microsoft.com/office/drawing/2014/main" id="{9570CAF5-BD67-4D06-B2D8-DCB9274377FF}"/>
               </a:ext>
             </a:extLst>
           </p:cNvPr>
@@ -4692,7 +5161,7 @@
           <a:p>
             <a:fld id="{019E29B9-5584-4737-9C98-1B926378C778}" type="datetime1">
               <a:rPr lang="en-US" smtClean="0"/>
-              <a:t>5/6/2021</a:t>
+              <a:t>5/13/2021</a:t>
             </a:fld>
             <a:endParaRPr lang="da-DK"/>
           </a:p>
@@ -4703,7 +5172,7 @@
           <p:cNvPr id="5" name="Footer Placeholder 4">
             <a:extLst>
               <a:ext uri="{FF2B5EF4-FFF2-40B4-BE49-F238E27FC236}">
-                <a16:creationId xmlns:a16="http://schemas.microsoft.com/office/drawing/2014/main" id="{E961CF25-F913-431C-B814-BF8908CAEA15}"/>
+                <a16:creationId xmlns:a16="http://schemas.microsoft.com/office/drawing/2014/main" id="{D8829CE7-5D25-4DB4-92F9-47A91A8585F9}"/>
               </a:ext>
             </a:extLst>
           </p:cNvPr>
@@ -4731,7 +5200,7 @@
           <p:cNvPr id="6" name="Slide Number Placeholder 5">
             <a:extLst>
               <a:ext uri="{FF2B5EF4-FFF2-40B4-BE49-F238E27FC236}">
-                <a16:creationId xmlns:a16="http://schemas.microsoft.com/office/drawing/2014/main" id="{71A10A9D-0158-407E-8333-AD3B78E4365F}"/>
+                <a16:creationId xmlns:a16="http://schemas.microsoft.com/office/drawing/2014/main" id="{DB83FF82-9D14-45EA-A5F8-3D2F465AB813}"/>
               </a:ext>
             </a:extLst>
           </p:cNvPr>
@@ -4757,10 +5226,10 @@
       </p:sp>
       <p:pic>
         <p:nvPicPr>
-          <p:cNvPr id="7" name="Picture 6" descr="Diagram&#10;&#10;Description automatically generated">
-            <a:extLst>
-              <a:ext uri="{FF2B5EF4-FFF2-40B4-BE49-F238E27FC236}">
-                <a16:creationId xmlns:a16="http://schemas.microsoft.com/office/drawing/2014/main" id="{9D360648-1A16-49B3-BB5C-AF07C6D901DE}"/>
+          <p:cNvPr id="8" name="Picture 7" descr="Chart, bar chart&#10;&#10;Description automatically generated">
+            <a:extLst>
+              <a:ext uri="{FF2B5EF4-FFF2-40B4-BE49-F238E27FC236}">
+                <a16:creationId xmlns:a16="http://schemas.microsoft.com/office/drawing/2014/main" id="{118CF400-4AA7-4A38-9477-52D1AB4E857B}"/>
               </a:ext>
             </a:extLst>
           </p:cNvPr>
@@ -4777,13 +5246,13 @@
               </a:ext>
             </a:extLst>
           </a:blip>
-          <a:srcRect l="33920" r="34803"/>
+          <a:srcRect t="13560" b="2102"/>
           <a:stretch/>
         </p:blipFill>
         <p:spPr>
           <a:xfrm>
-            <a:off x="9187543" y="1110623"/>
-            <a:ext cx="2220686" cy="5322518"/>
+            <a:off x="6439191" y="1960853"/>
+            <a:ext cx="5229225" cy="3598863"/>
           </a:xfrm>
           <a:prstGeom prst="rect">
             <a:avLst/>
@@ -4793,7 +5262,7 @@
     </p:spTree>
     <p:extLst>
       <p:ext uri="{BB962C8B-B14F-4D97-AF65-F5344CB8AC3E}">
-        <p14:creationId xmlns:p14="http://schemas.microsoft.com/office/powerpoint/2010/main" val="799991598"/>
+        <p14:creationId xmlns:p14="http://schemas.microsoft.com/office/powerpoint/2010/main" val="1046196467"/>
       </p:ext>
     </p:extLst>
   </p:cSld>
@@ -4825,7 +5294,7 @@
           <p:cNvPr id="2" name="Title 1">
             <a:extLst>
               <a:ext uri="{FF2B5EF4-FFF2-40B4-BE49-F238E27FC236}">
-                <a16:creationId xmlns:a16="http://schemas.microsoft.com/office/drawing/2014/main" id="{E55774C7-8BE4-483E-86C9-B3C70E2A6DD4}"/>
+                <a16:creationId xmlns:a16="http://schemas.microsoft.com/office/drawing/2014/main" id="{3E125291-E2C8-4BA1-8E8F-7EF38FC65A01}"/>
               </a:ext>
             </a:extLst>
           </p:cNvPr>
@@ -4841,7 +5310,10 @@
           <a:bodyPr/>
           <a:lstStyle/>
           <a:p>
-            <a:endParaRPr lang="da-DK"/>
+            <a:r>
+              <a:rPr lang="da-DK" dirty="0"/>
+              <a:t>Why does companies care</a:t>
+            </a:r>
           </a:p>
         </p:txBody>
       </p:sp>
@@ -4850,7 +5322,7 @@
           <p:cNvPr id="3" name="Content Placeholder 2">
             <a:extLst>
               <a:ext uri="{FF2B5EF4-FFF2-40B4-BE49-F238E27FC236}">
-                <a16:creationId xmlns:a16="http://schemas.microsoft.com/office/drawing/2014/main" id="{F78C482A-077A-43DD-B61C-658B97A63042}"/>
+                <a16:creationId xmlns:a16="http://schemas.microsoft.com/office/drawing/2014/main" id="{475F09FD-F540-4FF6-9B53-83E66E4C4AB5}"/>
               </a:ext>
             </a:extLst>
           </p:cNvPr>
@@ -4861,24 +5333,32 @@
             <p:ph idx="1"/>
           </p:nvPr>
         </p:nvSpPr>
-        <p:spPr/>
+        <p:spPr>
+          <a:xfrm>
+            <a:off x="838200" y="1343608"/>
+            <a:ext cx="5385318" cy="4833355"/>
+          </a:xfrm>
+        </p:spPr>
         <p:txBody>
           <a:bodyPr/>
           <a:lstStyle/>
           <a:p>
             <a:r>
               <a:rPr lang="da-DK" dirty="0"/>
-              <a:t>This is not teached at all</a:t>
-            </a:r>
-          </a:p>
-          <a:p>
-            <a:endParaRPr lang="da-DK" dirty="0"/>
-          </a:p>
-          <a:p>
-            <a:pPr lvl="1"/>
+              <a:t>Having automated model deployed with errors can cost ALOT of money:</a:t>
+            </a:r>
+          </a:p>
+          <a:p>
+            <a:pPr marL="457200" lvl="1" indent="0">
+              <a:buNone/>
+            </a:pPr>
+            <a:r>
+              <a:rPr lang="da-DK" i="1" dirty="0"/>
+              <a:t>”A famous example of the dangers here was Knight Capital´s system losing $465 millons in 45 minutes, apparently because of unexpected behavior from obsolete experimental codepaths” </a:t>
+            </a:r>
             <a:r>
               <a:rPr lang="da-DK" dirty="0"/>
-              <a:t>My hope is that you will get at feeling of this topic</a:t>
+              <a:t>– Hidden Technical depth in Machine Learning Systems</a:t>
             </a:r>
           </a:p>
         </p:txBody>
@@ -4888,7 +5368,7 @@
           <p:cNvPr id="4" name="Date Placeholder 3">
             <a:extLst>
               <a:ext uri="{FF2B5EF4-FFF2-40B4-BE49-F238E27FC236}">
-                <a16:creationId xmlns:a16="http://schemas.microsoft.com/office/drawing/2014/main" id="{08C53554-3CD5-4529-97FE-C646A771E7A7}"/>
+                <a16:creationId xmlns:a16="http://schemas.microsoft.com/office/drawing/2014/main" id="{9570CAF5-BD67-4D06-B2D8-DCB9274377FF}"/>
               </a:ext>
             </a:extLst>
           </p:cNvPr>
@@ -4906,7 +5386,7 @@
           <a:p>
             <a:fld id="{019E29B9-5584-4737-9C98-1B926378C778}" type="datetime1">
               <a:rPr lang="en-US" smtClean="0"/>
-              <a:t>5/6/2021</a:t>
+              <a:t>5/13/2021</a:t>
             </a:fld>
             <a:endParaRPr lang="da-DK"/>
           </a:p>
@@ -4917,7 +5397,7 @@
           <p:cNvPr id="5" name="Footer Placeholder 4">
             <a:extLst>
               <a:ext uri="{FF2B5EF4-FFF2-40B4-BE49-F238E27FC236}">
-                <a16:creationId xmlns:a16="http://schemas.microsoft.com/office/drawing/2014/main" id="{357452A9-01A8-46F8-A265-7B1AED67C39C}"/>
+                <a16:creationId xmlns:a16="http://schemas.microsoft.com/office/drawing/2014/main" id="{D8829CE7-5D25-4DB4-92F9-47A91A8585F9}"/>
               </a:ext>
             </a:extLst>
           </p:cNvPr>
@@ -4945,7 +5425,7 @@
           <p:cNvPr id="6" name="Slide Number Placeholder 5">
             <a:extLst>
               <a:ext uri="{FF2B5EF4-FFF2-40B4-BE49-F238E27FC236}">
-                <a16:creationId xmlns:a16="http://schemas.microsoft.com/office/drawing/2014/main" id="{6FCBB744-AD8A-4F21-AE94-69FC7B4475F8}"/>
+                <a16:creationId xmlns:a16="http://schemas.microsoft.com/office/drawing/2014/main" id="{DB83FF82-9D14-45EA-A5F8-3D2F465AB813}"/>
               </a:ext>
             </a:extLst>
           </p:cNvPr>
@@ -4971,10 +5451,10 @@
       </p:sp>
       <p:pic>
         <p:nvPicPr>
-          <p:cNvPr id="7" name="Picture 6" descr="Diagram&#10;&#10;Description automatically generated">
-            <a:extLst>
-              <a:ext uri="{FF2B5EF4-FFF2-40B4-BE49-F238E27FC236}">
-                <a16:creationId xmlns:a16="http://schemas.microsoft.com/office/drawing/2014/main" id="{87428130-763B-4789-A91E-224C07FCD636}"/>
+          <p:cNvPr id="8" name="Picture 7" descr="Chart, bar chart&#10;&#10;Description automatically generated">
+            <a:extLst>
+              <a:ext uri="{FF2B5EF4-FFF2-40B4-BE49-F238E27FC236}">
+                <a16:creationId xmlns:a16="http://schemas.microsoft.com/office/drawing/2014/main" id="{118CF400-4AA7-4A38-9477-52D1AB4E857B}"/>
               </a:ext>
             </a:extLst>
           </p:cNvPr>
@@ -4991,13 +5471,13 @@
               </a:ext>
             </a:extLst>
           </a:blip>
-          <a:srcRect l="65066"/>
+          <a:srcRect t="13560" b="2102"/>
           <a:stretch/>
         </p:blipFill>
         <p:spPr>
           <a:xfrm>
-            <a:off x="8873406" y="1096627"/>
-            <a:ext cx="2480394" cy="5322518"/>
+            <a:off x="6439191" y="1960853"/>
+            <a:ext cx="5229225" cy="3598863"/>
           </a:xfrm>
           <a:prstGeom prst="rect">
             <a:avLst/>
@@ -5007,7 +5487,7 @@
     </p:spTree>
     <p:extLst>
       <p:ext uri="{BB962C8B-B14F-4D97-AF65-F5344CB8AC3E}">
-        <p14:creationId xmlns:p14="http://schemas.microsoft.com/office/powerpoint/2010/main" val="359486999"/>
+        <p14:creationId xmlns:p14="http://schemas.microsoft.com/office/powerpoint/2010/main" val="1876627287"/>
       </p:ext>
     </p:extLst>
   </p:cSld>
@@ -5039,7 +5519,7 @@
           <p:cNvPr id="2" name="Title 1">
             <a:extLst>
               <a:ext uri="{FF2B5EF4-FFF2-40B4-BE49-F238E27FC236}">
-                <a16:creationId xmlns:a16="http://schemas.microsoft.com/office/drawing/2014/main" id="{30E322A3-B698-492C-A2CB-061CD72D2025}"/>
+                <a16:creationId xmlns:a16="http://schemas.microsoft.com/office/drawing/2014/main" id="{F3EE0E10-FDA9-4B7D-A493-FBF6E7E47DF4}"/>
               </a:ext>
             </a:extLst>
           </p:cNvPr>
@@ -5055,7 +5535,10 @@
           <a:bodyPr/>
           <a:lstStyle/>
           <a:p>
-            <a:endParaRPr lang="da-DK"/>
+            <a:r>
+              <a:rPr lang="da-DK" dirty="0"/>
+              <a:t>Design</a:t>
+            </a:r>
           </a:p>
         </p:txBody>
       </p:sp>
@@ -5064,7 +5547,7 @@
           <p:cNvPr id="3" name="Content Placeholder 2">
             <a:extLst>
               <a:ext uri="{FF2B5EF4-FFF2-40B4-BE49-F238E27FC236}">
-                <a16:creationId xmlns:a16="http://schemas.microsoft.com/office/drawing/2014/main" id="{427EC525-70A3-4250-A9B6-F40FD34294DD}"/>
+                <a16:creationId xmlns:a16="http://schemas.microsoft.com/office/drawing/2014/main" id="{75AEB1BF-D821-42C8-A483-4366CA031BDD}"/>
               </a:ext>
             </a:extLst>
           </p:cNvPr>
@@ -5080,7 +5563,39 @@
           <a:bodyPr/>
           <a:lstStyle/>
           <a:p>
-            <a:endParaRPr lang="da-DK"/>
+            <a:r>
+              <a:rPr lang="da-DK" dirty="0"/>
+              <a:t>The is the main part we train you at DTU</a:t>
+            </a:r>
+          </a:p>
+          <a:p>
+            <a:pPr lvl="1"/>
+            <a:r>
+              <a:rPr lang="da-DK" dirty="0"/>
+              <a:t>Analyze a problem</a:t>
+            </a:r>
+          </a:p>
+          <a:p>
+            <a:pPr lvl="1"/>
+            <a:endParaRPr lang="da-DK" dirty="0"/>
+          </a:p>
+          <a:p>
+            <a:pPr lvl="1"/>
+            <a:r>
+              <a:rPr lang="da-DK" dirty="0"/>
+              <a:t>Look in litterature for references</a:t>
+            </a:r>
+          </a:p>
+          <a:p>
+            <a:pPr lvl="1"/>
+            <a:endParaRPr lang="da-DK" dirty="0"/>
+          </a:p>
+          <a:p>
+            <a:pPr lvl="1"/>
+            <a:r>
+              <a:rPr lang="da-DK" dirty="0"/>
+              <a:t>Check if you have access to data for investigating this</a:t>
+            </a:r>
           </a:p>
         </p:txBody>
       </p:sp>
@@ -5089,7 +5604,7 @@
           <p:cNvPr id="4" name="Date Placeholder 3">
             <a:extLst>
               <a:ext uri="{FF2B5EF4-FFF2-40B4-BE49-F238E27FC236}">
-                <a16:creationId xmlns:a16="http://schemas.microsoft.com/office/drawing/2014/main" id="{F054A0FA-89FE-4349-A73D-ACD6702A121B}"/>
+                <a16:creationId xmlns:a16="http://schemas.microsoft.com/office/drawing/2014/main" id="{47F83E5C-46B0-46AC-B851-786890FA42FD}"/>
               </a:ext>
             </a:extLst>
           </p:cNvPr>
@@ -5107,7 +5622,7 @@
           <a:p>
             <a:fld id="{019E29B9-5584-4737-9C98-1B926378C778}" type="datetime1">
               <a:rPr lang="en-US" smtClean="0"/>
-              <a:t>5/6/2021</a:t>
+              <a:t>5/13/2021</a:t>
             </a:fld>
             <a:endParaRPr lang="da-DK"/>
           </a:p>
@@ -5118,7 +5633,7 @@
           <p:cNvPr id="5" name="Footer Placeholder 4">
             <a:extLst>
               <a:ext uri="{FF2B5EF4-FFF2-40B4-BE49-F238E27FC236}">
-                <a16:creationId xmlns:a16="http://schemas.microsoft.com/office/drawing/2014/main" id="{B9722F9A-B501-456A-95EC-ECEDBD6BB2BB}"/>
+                <a16:creationId xmlns:a16="http://schemas.microsoft.com/office/drawing/2014/main" id="{FB834890-689F-4F9B-81AD-F1E230E8DA47}"/>
               </a:ext>
             </a:extLst>
           </p:cNvPr>
@@ -5146,7 +5661,7 @@
           <p:cNvPr id="6" name="Slide Number Placeholder 5">
             <a:extLst>
               <a:ext uri="{FF2B5EF4-FFF2-40B4-BE49-F238E27FC236}">
-                <a16:creationId xmlns:a16="http://schemas.microsoft.com/office/drawing/2014/main" id="{E8C2AD3F-E991-4A52-B2D8-1BC7F6C6DF59}"/>
+                <a16:creationId xmlns:a16="http://schemas.microsoft.com/office/drawing/2014/main" id="{B6D8BCA8-A308-4056-9659-FCF8E4624824}"/>
               </a:ext>
             </a:extLst>
           </p:cNvPr>
@@ -5170,10 +5685,45 @@
           </a:p>
         </p:txBody>
       </p:sp>
+      <p:pic>
+        <p:nvPicPr>
+          <p:cNvPr id="7" name="Picture 6" descr="Diagram&#10;&#10;Description automatically generated">
+            <a:extLst>
+              <a:ext uri="{FF2B5EF4-FFF2-40B4-BE49-F238E27FC236}">
+                <a16:creationId xmlns:a16="http://schemas.microsoft.com/office/drawing/2014/main" id="{079FE9E9-DED2-47B7-8A31-3C8CE1648511}"/>
+              </a:ext>
+            </a:extLst>
+          </p:cNvPr>
+          <p:cNvPicPr>
+            <a:picLocks noChangeAspect="1"/>
+          </p:cNvPicPr>
+          <p:nvPr/>
+        </p:nvPicPr>
+        <p:blipFill rotWithShape="1">
+          <a:blip r:embed="rId2">
+            <a:extLst>
+              <a:ext uri="{28A0092B-C50C-407E-A947-70E740481C1C}">
+                <a14:useLocalDpi xmlns:a14="http://schemas.microsoft.com/office/drawing/2010/main" val="0"/>
+              </a:ext>
+            </a:extLst>
+          </a:blip>
+          <a:srcRect t="23032" r="65948"/>
+          <a:stretch/>
+        </p:blipFill>
+        <p:spPr>
+          <a:xfrm>
+            <a:off x="8936061" y="1417738"/>
+            <a:ext cx="2417739" cy="4096653"/>
+          </a:xfrm>
+          <a:prstGeom prst="rect">
+            <a:avLst/>
+          </a:prstGeom>
+        </p:spPr>
+      </p:pic>
     </p:spTree>
     <p:extLst>
       <p:ext uri="{BB962C8B-B14F-4D97-AF65-F5344CB8AC3E}">
-        <p14:creationId xmlns:p14="http://schemas.microsoft.com/office/powerpoint/2010/main" val="308534081"/>
+        <p14:creationId xmlns:p14="http://schemas.microsoft.com/office/powerpoint/2010/main" val="3856744393"/>
       </p:ext>
     </p:extLst>
   </p:cSld>
@@ -5205,7 +5755,7 @@
           <p:cNvPr id="2" name="Title 1">
             <a:extLst>
               <a:ext uri="{FF2B5EF4-FFF2-40B4-BE49-F238E27FC236}">
-                <a16:creationId xmlns:a16="http://schemas.microsoft.com/office/drawing/2014/main" id="{6BE5F6FC-4FE8-431A-AD09-C811B0880343}"/>
+                <a16:creationId xmlns:a16="http://schemas.microsoft.com/office/drawing/2014/main" id="{E2D93338-17E9-466E-8D37-1AF3A9048878}"/>
               </a:ext>
             </a:extLst>
           </p:cNvPr>
@@ -5221,7 +5771,10 @@
           <a:bodyPr/>
           <a:lstStyle/>
           <a:p>
-            <a:endParaRPr lang="da-DK"/>
+            <a:r>
+              <a:rPr lang="da-DK" dirty="0"/>
+              <a:t>Development</a:t>
+            </a:r>
           </a:p>
         </p:txBody>
       </p:sp>
@@ -5230,7 +5783,7 @@
           <p:cNvPr id="3" name="Content Placeholder 2">
             <a:extLst>
               <a:ext uri="{FF2B5EF4-FFF2-40B4-BE49-F238E27FC236}">
-                <a16:creationId xmlns:a16="http://schemas.microsoft.com/office/drawing/2014/main" id="{B0CC81D8-5F09-415D-B1E8-1C32064AB27D}"/>
+                <a16:creationId xmlns:a16="http://schemas.microsoft.com/office/drawing/2014/main" id="{14A91E1C-837E-4355-B886-2C58832A3E2E}"/>
               </a:ext>
             </a:extLst>
           </p:cNvPr>
@@ -5241,12 +5794,61 @@
             <p:ph idx="1"/>
           </p:nvPr>
         </p:nvSpPr>
-        <p:spPr/>
-        <p:txBody>
-          <a:bodyPr/>
-          <a:lstStyle/>
-          <a:p>
-            <a:endParaRPr lang="da-DK"/>
+        <p:spPr>
+          <a:xfrm>
+            <a:off x="838200" y="1343608"/>
+            <a:ext cx="8070908" cy="4833355"/>
+          </a:xfrm>
+        </p:spPr>
+        <p:txBody>
+          <a:bodyPr>
+            <a:normAutofit/>
+          </a:bodyPr>
+          <a:lstStyle/>
+          <a:p>
+            <a:r>
+              <a:rPr lang="da-DK" dirty="0"/>
+              <a:t>This is somewhat covered in other courses</a:t>
+            </a:r>
+          </a:p>
+          <a:p>
+            <a:pPr lvl="1"/>
+            <a:r>
+              <a:rPr lang="da-DK" dirty="0"/>
+              <a:t>Going from ideas to practical implementation</a:t>
+            </a:r>
+          </a:p>
+          <a:p>
+            <a:pPr lvl="1"/>
+            <a:endParaRPr lang="da-DK" dirty="0"/>
+          </a:p>
+          <a:p>
+            <a:pPr lvl="1"/>
+            <a:r>
+              <a:rPr lang="da-DK" dirty="0"/>
+              <a:t>How should data be formatted to guide the development</a:t>
+            </a:r>
+          </a:p>
+          <a:p>
+            <a:pPr lvl="1"/>
+            <a:endParaRPr lang="da-DK" dirty="0"/>
+          </a:p>
+          <a:p>
+            <a:pPr lvl="1"/>
+            <a:r>
+              <a:rPr lang="da-DK" dirty="0"/>
+              <a:t>How should model be validated and tested</a:t>
+            </a:r>
+          </a:p>
+          <a:p>
+            <a:pPr lvl="1"/>
+            <a:endParaRPr lang="da-DK" dirty="0"/>
+          </a:p>
+          <a:p>
+            <a:r>
+              <a:rPr lang="da-DK" dirty="0"/>
+              <a:t>This course will introduce tools to be more organised in this phase</a:t>
+            </a:r>
           </a:p>
         </p:txBody>
       </p:sp>
@@ -5255,7 +5857,7 @@
           <p:cNvPr id="4" name="Date Placeholder 3">
             <a:extLst>
               <a:ext uri="{FF2B5EF4-FFF2-40B4-BE49-F238E27FC236}">
-                <a16:creationId xmlns:a16="http://schemas.microsoft.com/office/drawing/2014/main" id="{58929028-2551-448C-B7F4-20EF5258E0AD}"/>
+                <a16:creationId xmlns:a16="http://schemas.microsoft.com/office/drawing/2014/main" id="{AF3F9502-1954-4AB2-AFFB-58E60E4F0912}"/>
               </a:ext>
             </a:extLst>
           </p:cNvPr>
@@ -5273,7 +5875,7 @@
           <a:p>
             <a:fld id="{019E29B9-5584-4737-9C98-1B926378C778}" type="datetime1">
               <a:rPr lang="en-US" smtClean="0"/>
-              <a:t>5/6/2021</a:t>
+              <a:t>5/13/2021</a:t>
             </a:fld>
             <a:endParaRPr lang="da-DK"/>
           </a:p>
@@ -5284,7 +5886,7 @@
           <p:cNvPr id="5" name="Footer Placeholder 4">
             <a:extLst>
               <a:ext uri="{FF2B5EF4-FFF2-40B4-BE49-F238E27FC236}">
-                <a16:creationId xmlns:a16="http://schemas.microsoft.com/office/drawing/2014/main" id="{1503B068-B404-4A2D-B2FB-D318C5FF8C6C}"/>
+                <a16:creationId xmlns:a16="http://schemas.microsoft.com/office/drawing/2014/main" id="{E961CF25-F913-431C-B814-BF8908CAEA15}"/>
               </a:ext>
             </a:extLst>
           </p:cNvPr>
@@ -5312,7 +5914,7 @@
           <p:cNvPr id="6" name="Slide Number Placeholder 5">
             <a:extLst>
               <a:ext uri="{FF2B5EF4-FFF2-40B4-BE49-F238E27FC236}">
-                <a16:creationId xmlns:a16="http://schemas.microsoft.com/office/drawing/2014/main" id="{5BC15310-A02D-47C6-AE42-9A4DF0E0D126}"/>
+                <a16:creationId xmlns:a16="http://schemas.microsoft.com/office/drawing/2014/main" id="{71A10A9D-0158-407E-8333-AD3B78E4365F}"/>
               </a:ext>
             </a:extLst>
           </p:cNvPr>
@@ -5336,10 +5938,489 @@
           </a:p>
         </p:txBody>
       </p:sp>
+      <p:pic>
+        <p:nvPicPr>
+          <p:cNvPr id="7" name="Picture 6" descr="Diagram&#10;&#10;Description automatically generated">
+            <a:extLst>
+              <a:ext uri="{FF2B5EF4-FFF2-40B4-BE49-F238E27FC236}">
+                <a16:creationId xmlns:a16="http://schemas.microsoft.com/office/drawing/2014/main" id="{9D360648-1A16-49B3-BB5C-AF07C6D901DE}"/>
+              </a:ext>
+            </a:extLst>
+          </p:cNvPr>
+          <p:cNvPicPr>
+            <a:picLocks noChangeAspect="1"/>
+          </p:cNvPicPr>
+          <p:nvPr/>
+        </p:nvPicPr>
+        <p:blipFill rotWithShape="1">
+          <a:blip r:embed="rId2">
+            <a:extLst>
+              <a:ext uri="{28A0092B-C50C-407E-A947-70E740481C1C}">
+                <a14:useLocalDpi xmlns:a14="http://schemas.microsoft.com/office/drawing/2010/main" val="0"/>
+              </a:ext>
+            </a:extLst>
+          </a:blip>
+          <a:srcRect l="33920" t="20113" r="34803"/>
+          <a:stretch/>
+        </p:blipFill>
+        <p:spPr>
+          <a:xfrm>
+            <a:off x="9279822" y="1535185"/>
+            <a:ext cx="2220686" cy="4252003"/>
+          </a:xfrm>
+          <a:prstGeom prst="rect">
+            <a:avLst/>
+          </a:prstGeom>
+        </p:spPr>
+      </p:pic>
     </p:spTree>
     <p:extLst>
       <p:ext uri="{BB962C8B-B14F-4D97-AF65-F5344CB8AC3E}">
-        <p14:creationId xmlns:p14="http://schemas.microsoft.com/office/powerpoint/2010/main" val="3149619811"/>
+        <p14:creationId xmlns:p14="http://schemas.microsoft.com/office/powerpoint/2010/main" val="799991598"/>
+      </p:ext>
+    </p:extLst>
+  </p:cSld>
+  <p:clrMapOvr>
+    <a:masterClrMapping/>
+  </p:clrMapOvr>
+</p:sld>
+</file>
+
+<file path=ppt/slides/slide8.xml><?xml version="1.0" encoding="utf-8"?>
+<p:sld xmlns:a="http://schemas.openxmlformats.org/drawingml/2006/main" xmlns:r="http://schemas.openxmlformats.org/officeDocument/2006/relationships" xmlns:p="http://schemas.openxmlformats.org/presentationml/2006/main">
+  <p:cSld>
+    <p:spTree>
+      <p:nvGrpSpPr>
+        <p:cNvPr id="1" name=""/>
+        <p:cNvGrpSpPr/>
+        <p:nvPr/>
+      </p:nvGrpSpPr>
+      <p:grpSpPr>
+        <a:xfrm>
+          <a:off x="0" y="0"/>
+          <a:ext cx="0" cy="0"/>
+          <a:chOff x="0" y="0"/>
+          <a:chExt cx="0" cy="0"/>
+        </a:xfrm>
+      </p:grpSpPr>
+      <p:sp>
+        <p:nvSpPr>
+          <p:cNvPr id="2" name="Title 1">
+            <a:extLst>
+              <a:ext uri="{FF2B5EF4-FFF2-40B4-BE49-F238E27FC236}">
+                <a16:creationId xmlns:a16="http://schemas.microsoft.com/office/drawing/2014/main" id="{E55774C7-8BE4-483E-86C9-B3C70E2A6DD4}"/>
+              </a:ext>
+            </a:extLst>
+          </p:cNvPr>
+          <p:cNvSpPr>
+            <a:spLocks noGrp="1"/>
+          </p:cNvSpPr>
+          <p:nvPr>
+            <p:ph type="title"/>
+          </p:nvPr>
+        </p:nvSpPr>
+        <p:spPr/>
+        <p:txBody>
+          <a:bodyPr/>
+          <a:lstStyle/>
+          <a:p>
+            <a:r>
+              <a:rPr lang="da-DK" dirty="0"/>
+              <a:t>Operations (The new kid)</a:t>
+            </a:r>
+          </a:p>
+        </p:txBody>
+      </p:sp>
+      <p:sp>
+        <p:nvSpPr>
+          <p:cNvPr id="3" name="Content Placeholder 2">
+            <a:extLst>
+              <a:ext uri="{FF2B5EF4-FFF2-40B4-BE49-F238E27FC236}">
+                <a16:creationId xmlns:a16="http://schemas.microsoft.com/office/drawing/2014/main" id="{F78C482A-077A-43DD-B61C-658B97A63042}"/>
+              </a:ext>
+            </a:extLst>
+          </p:cNvPr>
+          <p:cNvSpPr>
+            <a:spLocks noGrp="1"/>
+          </p:cNvSpPr>
+          <p:nvPr>
+            <p:ph idx="1"/>
+          </p:nvPr>
+        </p:nvSpPr>
+        <p:spPr/>
+        <p:txBody>
+          <a:bodyPr/>
+          <a:lstStyle/>
+          <a:p>
+            <a:r>
+              <a:rPr lang="da-DK" dirty="0"/>
+              <a:t>To my knowledge, is not teached at DTU</a:t>
+            </a:r>
+          </a:p>
+          <a:p>
+            <a:endParaRPr lang="da-DK" dirty="0"/>
+          </a:p>
+          <a:p>
+            <a:r>
+              <a:rPr lang="da-DK" dirty="0"/>
+              <a:t>Operations = How to make sure models do not break</a:t>
+            </a:r>
+          </a:p>
+          <a:p>
+            <a:pPr lvl="1"/>
+            <a:r>
+              <a:rPr lang="da-DK" dirty="0"/>
+              <a:t>My hope is that you will get at feeling of this topic</a:t>
+            </a:r>
+          </a:p>
+          <a:p>
+            <a:pPr lvl="1"/>
+            <a:r>
+              <a:rPr lang="da-DK" dirty="0"/>
+              <a:t>Specifically we will touch apon deployment and CI</a:t>
+            </a:r>
+          </a:p>
+        </p:txBody>
+      </p:sp>
+      <p:sp>
+        <p:nvSpPr>
+          <p:cNvPr id="4" name="Date Placeholder 3">
+            <a:extLst>
+              <a:ext uri="{FF2B5EF4-FFF2-40B4-BE49-F238E27FC236}">
+                <a16:creationId xmlns:a16="http://schemas.microsoft.com/office/drawing/2014/main" id="{08C53554-3CD5-4529-97FE-C646A771E7A7}"/>
+              </a:ext>
+            </a:extLst>
+          </p:cNvPr>
+          <p:cNvSpPr>
+            <a:spLocks noGrp="1"/>
+          </p:cNvSpPr>
+          <p:nvPr>
+            <p:ph type="dt" sz="half" idx="10"/>
+          </p:nvPr>
+        </p:nvSpPr>
+        <p:spPr/>
+        <p:txBody>
+          <a:bodyPr/>
+          <a:lstStyle/>
+          <a:p>
+            <a:fld id="{019E29B9-5584-4737-9C98-1B926378C778}" type="datetime1">
+              <a:rPr lang="en-US" smtClean="0"/>
+              <a:t>5/13/2021</a:t>
+            </a:fld>
+            <a:endParaRPr lang="da-DK"/>
+          </a:p>
+        </p:txBody>
+      </p:sp>
+      <p:sp>
+        <p:nvSpPr>
+          <p:cNvPr id="5" name="Footer Placeholder 4">
+            <a:extLst>
+              <a:ext uri="{FF2B5EF4-FFF2-40B4-BE49-F238E27FC236}">
+                <a16:creationId xmlns:a16="http://schemas.microsoft.com/office/drawing/2014/main" id="{357452A9-01A8-46F8-A265-7B1AED67C39C}"/>
+              </a:ext>
+            </a:extLst>
+          </p:cNvPr>
+          <p:cNvSpPr>
+            <a:spLocks noGrp="1"/>
+          </p:cNvSpPr>
+          <p:nvPr>
+            <p:ph type="ftr" sz="quarter" idx="11"/>
+          </p:nvPr>
+        </p:nvSpPr>
+        <p:spPr/>
+        <p:txBody>
+          <a:bodyPr/>
+          <a:lstStyle/>
+          <a:p>
+            <a:r>
+              <a:rPr lang="da-DK"/>
+              <a:t>Nicki Skafte Detlefsen</a:t>
+            </a:r>
+          </a:p>
+        </p:txBody>
+      </p:sp>
+      <p:sp>
+        <p:nvSpPr>
+          <p:cNvPr id="6" name="Slide Number Placeholder 5">
+            <a:extLst>
+              <a:ext uri="{FF2B5EF4-FFF2-40B4-BE49-F238E27FC236}">
+                <a16:creationId xmlns:a16="http://schemas.microsoft.com/office/drawing/2014/main" id="{6FCBB744-AD8A-4F21-AE94-69FC7B4475F8}"/>
+              </a:ext>
+            </a:extLst>
+          </p:cNvPr>
+          <p:cNvSpPr>
+            <a:spLocks noGrp="1"/>
+          </p:cNvSpPr>
+          <p:nvPr>
+            <p:ph type="sldNum" sz="quarter" idx="12"/>
+          </p:nvPr>
+        </p:nvSpPr>
+        <p:spPr/>
+        <p:txBody>
+          <a:bodyPr/>
+          <a:lstStyle/>
+          <a:p>
+            <a:fld id="{F6FEDE24-D50C-481B-A7B4-8AF13899101A}" type="slidenum">
+              <a:rPr lang="da-DK" smtClean="0"/>
+              <a:t>8</a:t>
+            </a:fld>
+            <a:endParaRPr lang="da-DK"/>
+          </a:p>
+        </p:txBody>
+      </p:sp>
+      <p:pic>
+        <p:nvPicPr>
+          <p:cNvPr id="7" name="Picture 6" descr="Diagram&#10;&#10;Description automatically generated">
+            <a:extLst>
+              <a:ext uri="{FF2B5EF4-FFF2-40B4-BE49-F238E27FC236}">
+                <a16:creationId xmlns:a16="http://schemas.microsoft.com/office/drawing/2014/main" id="{87428130-763B-4789-A91E-224C07FCD636}"/>
+              </a:ext>
+            </a:extLst>
+          </p:cNvPr>
+          <p:cNvPicPr>
+            <a:picLocks noChangeAspect="1"/>
+          </p:cNvPicPr>
+          <p:nvPr/>
+        </p:nvPicPr>
+        <p:blipFill rotWithShape="1">
+          <a:blip r:embed="rId2">
+            <a:extLst>
+              <a:ext uri="{28A0092B-C50C-407E-A947-70E740481C1C}">
+                <a14:useLocalDpi xmlns:a14="http://schemas.microsoft.com/office/drawing/2010/main" val="0"/>
+              </a:ext>
+            </a:extLst>
+          </a:blip>
+          <a:srcRect l="65066" t="21007"/>
+          <a:stretch/>
+        </p:blipFill>
+        <p:spPr>
+          <a:xfrm>
+            <a:off x="9175410" y="1551963"/>
+            <a:ext cx="2480394" cy="4204400"/>
+          </a:xfrm>
+          <a:prstGeom prst="rect">
+            <a:avLst/>
+          </a:prstGeom>
+        </p:spPr>
+      </p:pic>
+    </p:spTree>
+    <p:extLst>
+      <p:ext uri="{BB962C8B-B14F-4D97-AF65-F5344CB8AC3E}">
+        <p14:creationId xmlns:p14="http://schemas.microsoft.com/office/powerpoint/2010/main" val="359486999"/>
+      </p:ext>
+    </p:extLst>
+  </p:cSld>
+  <p:clrMapOvr>
+    <a:masterClrMapping/>
+  </p:clrMapOvr>
+</p:sld>
+</file>
+
+<file path=ppt/slides/slide9.xml><?xml version="1.0" encoding="utf-8"?>
+<p:sld xmlns:a="http://schemas.openxmlformats.org/drawingml/2006/main" xmlns:r="http://schemas.openxmlformats.org/officeDocument/2006/relationships" xmlns:p="http://schemas.openxmlformats.org/presentationml/2006/main">
+  <p:cSld>
+    <p:spTree>
+      <p:nvGrpSpPr>
+        <p:cNvPr id="1" name=""/>
+        <p:cNvGrpSpPr/>
+        <p:nvPr/>
+      </p:nvGrpSpPr>
+      <p:grpSpPr>
+        <a:xfrm>
+          <a:off x="0" y="0"/>
+          <a:ext cx="0" cy="0"/>
+          <a:chOff x="0" y="0"/>
+          <a:chExt cx="0" cy="0"/>
+        </a:xfrm>
+      </p:grpSpPr>
+      <p:sp>
+        <p:nvSpPr>
+          <p:cNvPr id="2" name="Title 1">
+            <a:extLst>
+              <a:ext uri="{FF2B5EF4-FFF2-40B4-BE49-F238E27FC236}">
+                <a16:creationId xmlns:a16="http://schemas.microsoft.com/office/drawing/2014/main" id="{30E322A3-B698-492C-A2CB-061CD72D2025}"/>
+              </a:ext>
+            </a:extLst>
+          </p:cNvPr>
+          <p:cNvSpPr>
+            <a:spLocks noGrp="1"/>
+          </p:cNvSpPr>
+          <p:nvPr>
+            <p:ph type="title"/>
+          </p:nvPr>
+        </p:nvSpPr>
+        <p:spPr/>
+        <p:txBody>
+          <a:bodyPr/>
+          <a:lstStyle/>
+          <a:p>
+            <a:r>
+              <a:rPr lang="da-DK" dirty="0"/>
+              <a:t>MLOps at a high level</a:t>
+            </a:r>
+          </a:p>
+        </p:txBody>
+      </p:sp>
+      <p:sp>
+        <p:nvSpPr>
+          <p:cNvPr id="3" name="Content Placeholder 2">
+            <a:extLst>
+              <a:ext uri="{FF2B5EF4-FFF2-40B4-BE49-F238E27FC236}">
+                <a16:creationId xmlns:a16="http://schemas.microsoft.com/office/drawing/2014/main" id="{427EC525-70A3-4250-A9B6-F40FD34294DD}"/>
+              </a:ext>
+            </a:extLst>
+          </p:cNvPr>
+          <p:cNvSpPr>
+            <a:spLocks noGrp="1"/>
+          </p:cNvSpPr>
+          <p:nvPr>
+            <p:ph idx="1"/>
+          </p:nvPr>
+        </p:nvSpPr>
+        <p:spPr/>
+        <p:txBody>
+          <a:bodyPr/>
+          <a:lstStyle/>
+          <a:p>
+            <a:r>
+              <a:rPr lang="da-DK" dirty="0"/>
+              <a:t>Optimizing workflows</a:t>
+            </a:r>
+          </a:p>
+          <a:p>
+            <a:pPr lvl="1"/>
+            <a:r>
+              <a:rPr lang="da-DK" dirty="0"/>
+              <a:t>Getting organised cost time initially but will save you time down the line</a:t>
+            </a:r>
+          </a:p>
+          <a:p>
+            <a:endParaRPr lang="da-DK" dirty="0"/>
+          </a:p>
+          <a:p>
+            <a:r>
+              <a:rPr lang="da-DK" dirty="0"/>
+              <a:t>Reuseability</a:t>
+            </a:r>
+          </a:p>
+          <a:p>
+            <a:pPr lvl="1"/>
+            <a:r>
+              <a:rPr lang="da-DK" dirty="0"/>
+              <a:t>Why rewrite the same code for a new project if you can reuse</a:t>
+            </a:r>
+          </a:p>
+          <a:p>
+            <a:pPr marL="457200" lvl="1" indent="0">
+              <a:buNone/>
+            </a:pPr>
+            <a:endParaRPr lang="da-DK" dirty="0"/>
+          </a:p>
+          <a:p>
+            <a:r>
+              <a:rPr lang="da-DK" dirty="0"/>
+              <a:t>Reproduceability</a:t>
+            </a:r>
+          </a:p>
+          <a:p>
+            <a:pPr lvl="1"/>
+            <a:r>
+              <a:rPr lang="da-DK" dirty="0"/>
+              <a:t>Make sure that your results can be redon by others</a:t>
+            </a:r>
+          </a:p>
+        </p:txBody>
+      </p:sp>
+      <p:sp>
+        <p:nvSpPr>
+          <p:cNvPr id="4" name="Date Placeholder 3">
+            <a:extLst>
+              <a:ext uri="{FF2B5EF4-FFF2-40B4-BE49-F238E27FC236}">
+                <a16:creationId xmlns:a16="http://schemas.microsoft.com/office/drawing/2014/main" id="{F054A0FA-89FE-4349-A73D-ACD6702A121B}"/>
+              </a:ext>
+            </a:extLst>
+          </p:cNvPr>
+          <p:cNvSpPr>
+            <a:spLocks noGrp="1"/>
+          </p:cNvSpPr>
+          <p:nvPr>
+            <p:ph type="dt" sz="half" idx="10"/>
+          </p:nvPr>
+        </p:nvSpPr>
+        <p:spPr/>
+        <p:txBody>
+          <a:bodyPr/>
+          <a:lstStyle/>
+          <a:p>
+            <a:fld id="{019E29B9-5584-4737-9C98-1B926378C778}" type="datetime1">
+              <a:rPr lang="en-US" smtClean="0"/>
+              <a:t>5/13/2021</a:t>
+            </a:fld>
+            <a:endParaRPr lang="da-DK"/>
+          </a:p>
+        </p:txBody>
+      </p:sp>
+      <p:sp>
+        <p:nvSpPr>
+          <p:cNvPr id="5" name="Footer Placeholder 4">
+            <a:extLst>
+              <a:ext uri="{FF2B5EF4-FFF2-40B4-BE49-F238E27FC236}">
+                <a16:creationId xmlns:a16="http://schemas.microsoft.com/office/drawing/2014/main" id="{B9722F9A-B501-456A-95EC-ECEDBD6BB2BB}"/>
+              </a:ext>
+            </a:extLst>
+          </p:cNvPr>
+          <p:cNvSpPr>
+            <a:spLocks noGrp="1"/>
+          </p:cNvSpPr>
+          <p:nvPr>
+            <p:ph type="ftr" sz="quarter" idx="11"/>
+          </p:nvPr>
+        </p:nvSpPr>
+        <p:spPr/>
+        <p:txBody>
+          <a:bodyPr/>
+          <a:lstStyle/>
+          <a:p>
+            <a:r>
+              <a:rPr lang="da-DK"/>
+              <a:t>Nicki Skafte Detlefsen</a:t>
+            </a:r>
+          </a:p>
+        </p:txBody>
+      </p:sp>
+      <p:sp>
+        <p:nvSpPr>
+          <p:cNvPr id="6" name="Slide Number Placeholder 5">
+            <a:extLst>
+              <a:ext uri="{FF2B5EF4-FFF2-40B4-BE49-F238E27FC236}">
+                <a16:creationId xmlns:a16="http://schemas.microsoft.com/office/drawing/2014/main" id="{E8C2AD3F-E991-4A52-B2D8-1BC7F6C6DF59}"/>
+              </a:ext>
+            </a:extLst>
+          </p:cNvPr>
+          <p:cNvSpPr>
+            <a:spLocks noGrp="1"/>
+          </p:cNvSpPr>
+          <p:nvPr>
+            <p:ph type="sldNum" sz="quarter" idx="12"/>
+          </p:nvPr>
+        </p:nvSpPr>
+        <p:spPr/>
+        <p:txBody>
+          <a:bodyPr/>
+          <a:lstStyle/>
+          <a:p>
+            <a:fld id="{F6FEDE24-D50C-481B-A7B4-8AF13899101A}" type="slidenum">
+              <a:rPr lang="da-DK" smtClean="0"/>
+              <a:t>9</a:t>
+            </a:fld>
+            <a:endParaRPr lang="da-DK"/>
+          </a:p>
+        </p:txBody>
+      </p:sp>
+    </p:spTree>
+    <p:extLst>
+      <p:ext uri="{BB962C8B-B14F-4D97-AF65-F5344CB8AC3E}">
+        <p14:creationId xmlns:p14="http://schemas.microsoft.com/office/powerpoint/2010/main" val="308534081"/>
       </p:ext>
     </p:extLst>
   </p:cSld>

--- a/02_code_organisation/MLOps.pptx
+++ b/02_code_organisation/MLOps.pptx
@@ -5,10 +5,10 @@
     <p:sldMasterId id="2147483648" r:id="rId1"/>
   </p:sldMasterIdLst>
   <p:notesMasterIdLst>
-    <p:notesMasterId r:id="rId12"/>
+    <p:notesMasterId r:id="rId15"/>
   </p:notesMasterIdLst>
   <p:handoutMasterIdLst>
-    <p:handoutMasterId r:id="rId13"/>
+    <p:handoutMasterId r:id="rId16"/>
   </p:handoutMasterIdLst>
   <p:sldIdLst>
     <p:sldId id="256" r:id="rId2"/>
@@ -16,11 +16,14 @@
     <p:sldId id="263" r:id="rId4"/>
     <p:sldId id="264" r:id="rId5"/>
     <p:sldId id="265" r:id="rId6"/>
-    <p:sldId id="258" r:id="rId7"/>
-    <p:sldId id="259" r:id="rId8"/>
-    <p:sldId id="260" r:id="rId9"/>
-    <p:sldId id="261" r:id="rId10"/>
-    <p:sldId id="262" r:id="rId11"/>
+    <p:sldId id="266" r:id="rId7"/>
+    <p:sldId id="258" r:id="rId8"/>
+    <p:sldId id="259" r:id="rId9"/>
+    <p:sldId id="260" r:id="rId10"/>
+    <p:sldId id="267" r:id="rId11"/>
+    <p:sldId id="268" r:id="rId12"/>
+    <p:sldId id="261" r:id="rId13"/>
+    <p:sldId id="262" r:id="rId14"/>
   </p:sldIdLst>
   <p:sldSz cx="12192000" cy="6858000"/>
   <p:notesSz cx="6858000" cy="9144000"/>
@@ -224,7 +227,7 @@
           <a:p>
             <a:fld id="{D75CAE95-D2DD-4998-876A-092BFD628C65}" type="datetimeFigureOut">
               <a:rPr lang="da-DK" smtClean="0"/>
-              <a:t>13-05-2021</a:t>
+              <a:t>19-05-2021</a:t>
             </a:fld>
             <a:endParaRPr lang="da-DK"/>
           </a:p>
@@ -402,7 +405,7 @@
           <a:p>
             <a:fld id="{1DA8E099-58AA-4136-B409-1CAD1943D842}" type="datetimeFigureOut">
               <a:rPr lang="da-DK" smtClean="0"/>
-              <a:t>13-05-2021</a:t>
+              <a:t>19-05-2021</a:t>
             </a:fld>
             <a:endParaRPr lang="da-DK"/>
           </a:p>
@@ -820,7 +823,7 @@
           <a:p>
             <a:fld id="{C85334AD-9960-4065-BF34-86ED0345A76D}" type="datetime1">
               <a:rPr lang="en-US" smtClean="0"/>
-              <a:t>5/13/2021</a:t>
+              <a:t>5/19/2021</a:t>
             </a:fld>
             <a:endParaRPr lang="da-DK"/>
           </a:p>
@@ -1059,7 +1062,7 @@
           <a:p>
             <a:fld id="{C5669758-3775-48D7-A841-693E908C3BF4}" type="datetime1">
               <a:rPr lang="en-US" smtClean="0"/>
-              <a:t>5/13/2021</a:t>
+              <a:t>5/19/2021</a:t>
             </a:fld>
             <a:endParaRPr lang="da-DK"/>
           </a:p>
@@ -1272,7 +1275,7 @@
           <a:p>
             <a:fld id="{1E0C3FF1-EDBD-4F2A-8366-34A4E3728310}" type="datetime1">
               <a:rPr lang="en-US" smtClean="0"/>
-              <a:t>5/13/2021</a:t>
+              <a:t>5/19/2021</a:t>
             </a:fld>
             <a:endParaRPr lang="da-DK"/>
           </a:p>
@@ -1493,7 +1496,7 @@
           <a:p>
             <a:fld id="{019E29B9-5584-4737-9C98-1B926378C778}" type="datetime1">
               <a:rPr lang="en-US" smtClean="0"/>
-              <a:t>5/13/2021</a:t>
+              <a:t>5/19/2021</a:t>
             </a:fld>
             <a:endParaRPr lang="da-DK"/>
           </a:p>
@@ -1808,7 +1811,7 @@
           <a:p>
             <a:fld id="{FCE38F03-F67D-4508-A858-99FCD085087C}" type="datetime1">
               <a:rPr lang="en-US" smtClean="0"/>
-              <a:t>5/13/2021</a:t>
+              <a:t>5/19/2021</a:t>
             </a:fld>
             <a:endParaRPr lang="da-DK"/>
           </a:p>
@@ -2079,7 +2082,7 @@
           <a:p>
             <a:fld id="{B43F2930-3FFD-4F93-A4BD-4F0D1A0B4514}" type="datetime1">
               <a:rPr lang="en-US" smtClean="0"/>
-              <a:t>5/13/2021</a:t>
+              <a:t>5/19/2021</a:t>
             </a:fld>
             <a:endParaRPr lang="da-DK"/>
           </a:p>
@@ -2497,7 +2500,7 @@
           <a:p>
             <a:fld id="{8E0F9B9B-30CC-4693-8E0F-1A94A979E2C5}" type="datetime1">
               <a:rPr lang="en-US" smtClean="0"/>
-              <a:t>5/13/2021</a:t>
+              <a:t>5/19/2021</a:t>
             </a:fld>
             <a:endParaRPr lang="da-DK"/>
           </a:p>
@@ -2642,7 +2645,7 @@
           <a:p>
             <a:fld id="{6FE1433B-E6A7-44FF-8B55-539471B4D7C5}" type="datetime1">
               <a:rPr lang="en-US" smtClean="0"/>
-              <a:t>5/13/2021</a:t>
+              <a:t>5/19/2021</a:t>
             </a:fld>
             <a:endParaRPr lang="da-DK"/>
           </a:p>
@@ -2758,7 +2761,7 @@
           <a:p>
             <a:fld id="{624F4001-6A8C-42DA-824F-B5CC1375B861}" type="datetime1">
               <a:rPr lang="en-US" smtClean="0"/>
-              <a:t>5/13/2021</a:t>
+              <a:t>5/19/2021</a:t>
             </a:fld>
             <a:endParaRPr lang="da-DK"/>
           </a:p>
@@ -3074,7 +3077,7 @@
           <a:p>
             <a:fld id="{2D3BE137-2C5E-4078-8BA2-7D42D7E67218}" type="datetime1">
               <a:rPr lang="en-US" smtClean="0"/>
-              <a:t>5/13/2021</a:t>
+              <a:t>5/19/2021</a:t>
             </a:fld>
             <a:endParaRPr lang="da-DK"/>
           </a:p>
@@ -3366,7 +3369,7 @@
           <a:p>
             <a:fld id="{0D1436FF-56D3-4E93-92E8-71121EAB120E}" type="datetime1">
               <a:rPr lang="en-US" smtClean="0"/>
-              <a:t>5/13/2021</a:t>
+              <a:t>5/19/2021</a:t>
             </a:fld>
             <a:endParaRPr lang="da-DK"/>
           </a:p>
@@ -3612,7 +3615,7 @@
           <a:p>
             <a:fld id="{16601EF2-4BCA-4009-ACCF-B97F259DEF6F}" type="datetime1">
               <a:rPr lang="en-US" smtClean="0"/>
-              <a:t>5/13/2021</a:t>
+              <a:t>5/19/2021</a:t>
             </a:fld>
             <a:endParaRPr lang="da-DK"/>
           </a:p>
@@ -4089,36 +4092,56 @@
             <p:ph type="subTitle" idx="1"/>
           </p:nvPr>
         </p:nvSpPr>
-        <p:spPr/>
+        <p:spPr>
+          <a:xfrm>
+            <a:off x="1524000" y="3602037"/>
+            <a:ext cx="9144000" cy="2823929"/>
+          </a:xfrm>
+        </p:spPr>
         <p:txBody>
           <a:bodyPr>
-            <a:normAutofit lnSpcReduction="10000"/>
+            <a:normAutofit/>
           </a:bodyPr>
           <a:lstStyle/>
           <a:p>
             <a:r>
-              <a:rPr lang="da-DK"/>
+              <a:rPr lang="da-DK" dirty="0"/>
               <a:t>02457 Machine Learning Operations</a:t>
             </a:r>
           </a:p>
           <a:p>
             <a:r>
-              <a:rPr lang="da-DK"/>
+              <a:rPr lang="da-DK" dirty="0"/>
               <a:t>Nicki Skafte Detlefsen,</a:t>
             </a:r>
           </a:p>
           <a:p>
             <a:r>
-              <a:rPr lang="da-DK"/>
+              <a:rPr lang="da-DK" dirty="0"/>
               <a:t>Postdoc</a:t>
             </a:r>
           </a:p>
           <a:p>
             <a:r>
-              <a:rPr lang="da-DK"/>
+              <a:rPr lang="da-DK" dirty="0"/>
               <a:t>DTU Compute</a:t>
             </a:r>
+          </a:p>
+          <a:p>
             <a:endParaRPr lang="da-DK" dirty="0"/>
+          </a:p>
+          <a:p>
+            <a:r>
+              <a:rPr lang="da-DK" sz="1100" dirty="0"/>
+              <a:t>Loosely based on </a:t>
+            </a:r>
+            <a:r>
+              <a:rPr lang="da-DK" sz="1100" dirty="0">
+                <a:hlinkClick r:id="rId2"/>
+              </a:rPr>
+              <a:t>https://www.youtube.com/watch?v=VU5Em1qkWDU</a:t>
+            </a:r>
+            <a:endParaRPr lang="da-DK" sz="1100" dirty="0"/>
           </a:p>
         </p:txBody>
       </p:sp>
@@ -4157,7 +4180,7 @@
           <p:cNvPr id="2" name="Title 1">
             <a:extLst>
               <a:ext uri="{FF2B5EF4-FFF2-40B4-BE49-F238E27FC236}">
-                <a16:creationId xmlns:a16="http://schemas.microsoft.com/office/drawing/2014/main" id="{6BE5F6FC-4FE8-431A-AD09-C811B0880343}"/>
+                <a16:creationId xmlns:a16="http://schemas.microsoft.com/office/drawing/2014/main" id="{3E9A3996-EB1F-43E8-9671-EC09170B5DBE}"/>
               </a:ext>
             </a:extLst>
           </p:cNvPr>
@@ -4175,7 +4198,7 @@
           <a:p>
             <a:r>
               <a:rPr lang="da-DK" dirty="0"/>
-              <a:t>Getting organised</a:t>
+              <a:t>The workflow of standard DevOps</a:t>
             </a:r>
           </a:p>
         </p:txBody>
@@ -4185,7 +4208,7 @@
           <p:cNvPr id="3" name="Content Placeholder 2">
             <a:extLst>
               <a:ext uri="{FF2B5EF4-FFF2-40B4-BE49-F238E27FC236}">
-                <a16:creationId xmlns:a16="http://schemas.microsoft.com/office/drawing/2014/main" id="{B0CC81D8-5F09-415D-B1E8-1C32064AB27D}"/>
+                <a16:creationId xmlns:a16="http://schemas.microsoft.com/office/drawing/2014/main" id="{8B7504F2-5C84-49DD-A216-AFDAB90DBB4C}"/>
               </a:ext>
             </a:extLst>
           </p:cNvPr>
@@ -4201,49 +4224,7 @@
           <a:bodyPr/>
           <a:lstStyle/>
           <a:p>
-            <a:pPr marL="0" indent="0">
-              <a:buNone/>
-            </a:pPr>
-            <a:r>
-              <a:rPr lang="da-DK" dirty="0"/>
-              <a:t>Todays exercises is all about organising your workflow.</a:t>
-            </a:r>
-          </a:p>
-          <a:p>
-            <a:pPr marL="0" indent="0">
-              <a:buNone/>
-            </a:pPr>
-            <a:r>
-              <a:rPr lang="da-DK" dirty="0"/>
-              <a:t>Note that</a:t>
-            </a:r>
-          </a:p>
-          <a:p>
-            <a:r>
-              <a:rPr lang="da-DK" dirty="0"/>
-              <a:t>While organization is maybe not that big of a deal on personal projects, it is a essential factor when working on large scale projects</a:t>
-            </a:r>
-          </a:p>
-          <a:p>
-            <a:endParaRPr lang="da-DK" dirty="0"/>
-          </a:p>
-          <a:p>
-            <a:pPr marL="0" indent="0">
-              <a:buNone/>
-            </a:pPr>
-            <a:endParaRPr lang="da-DK" dirty="0"/>
-          </a:p>
-          <a:p>
-            <a:pPr marL="0" indent="0">
-              <a:buNone/>
-            </a:pPr>
-            <a:endParaRPr lang="da-DK" dirty="0"/>
-          </a:p>
-          <a:p>
-            <a:pPr marL="0" indent="0">
-              <a:buNone/>
-            </a:pPr>
-            <a:endParaRPr lang="da-DK" dirty="0"/>
+            <a:endParaRPr lang="da-DK"/>
           </a:p>
         </p:txBody>
       </p:sp>
@@ -4252,7 +4233,7 @@
           <p:cNvPr id="4" name="Date Placeholder 3">
             <a:extLst>
               <a:ext uri="{FF2B5EF4-FFF2-40B4-BE49-F238E27FC236}">
-                <a16:creationId xmlns:a16="http://schemas.microsoft.com/office/drawing/2014/main" id="{58929028-2551-448C-B7F4-20EF5258E0AD}"/>
+                <a16:creationId xmlns:a16="http://schemas.microsoft.com/office/drawing/2014/main" id="{5862207E-D7B9-426E-A27A-CF5544689CE6}"/>
               </a:ext>
             </a:extLst>
           </p:cNvPr>
@@ -4270,7 +4251,7 @@
           <a:p>
             <a:fld id="{019E29B9-5584-4737-9C98-1B926378C778}" type="datetime1">
               <a:rPr lang="en-US" smtClean="0"/>
-              <a:t>5/13/2021</a:t>
+              <a:t>5/19/2021</a:t>
             </a:fld>
             <a:endParaRPr lang="da-DK"/>
           </a:p>
@@ -4281,7 +4262,7 @@
           <p:cNvPr id="5" name="Footer Placeholder 4">
             <a:extLst>
               <a:ext uri="{FF2B5EF4-FFF2-40B4-BE49-F238E27FC236}">
-                <a16:creationId xmlns:a16="http://schemas.microsoft.com/office/drawing/2014/main" id="{1503B068-B404-4A2D-B2FB-D318C5FF8C6C}"/>
+                <a16:creationId xmlns:a16="http://schemas.microsoft.com/office/drawing/2014/main" id="{D6C065F7-02D1-423C-B0D1-28CA60E12701}"/>
               </a:ext>
             </a:extLst>
           </p:cNvPr>
@@ -4309,7 +4290,7 @@
           <p:cNvPr id="6" name="Slide Number Placeholder 5">
             <a:extLst>
               <a:ext uri="{FF2B5EF4-FFF2-40B4-BE49-F238E27FC236}">
-                <a16:creationId xmlns:a16="http://schemas.microsoft.com/office/drawing/2014/main" id="{5BC15310-A02D-47C6-AE42-9A4DF0E0D126}"/>
+                <a16:creationId xmlns:a16="http://schemas.microsoft.com/office/drawing/2014/main" id="{251CD39C-A4BE-4EB5-82F1-EC6A90794DB5}"/>
               </a:ext>
             </a:extLst>
           </p:cNvPr>
@@ -4328,6 +4309,818 @@
             <a:fld id="{F6FEDE24-D50C-481B-A7B4-8AF13899101A}" type="slidenum">
               <a:rPr lang="da-DK" smtClean="0"/>
               <a:t>10</a:t>
+            </a:fld>
+            <a:endParaRPr lang="da-DK"/>
+          </a:p>
+        </p:txBody>
+      </p:sp>
+      <p:pic>
+        <p:nvPicPr>
+          <p:cNvPr id="8" name="Picture 7">
+            <a:extLst>
+              <a:ext uri="{FF2B5EF4-FFF2-40B4-BE49-F238E27FC236}">
+                <a16:creationId xmlns:a16="http://schemas.microsoft.com/office/drawing/2014/main" id="{05FBB335-F70D-4012-A048-C2BDDFD20681}"/>
+              </a:ext>
+            </a:extLst>
+          </p:cNvPr>
+          <p:cNvPicPr>
+            <a:picLocks noChangeAspect="1"/>
+          </p:cNvPicPr>
+          <p:nvPr/>
+        </p:nvPicPr>
+        <p:blipFill>
+          <a:blip r:embed="rId2"/>
+          <a:stretch>
+            <a:fillRect/>
+          </a:stretch>
+        </p:blipFill>
+        <p:spPr>
+          <a:xfrm>
+            <a:off x="2305050" y="1995487"/>
+            <a:ext cx="7581900" cy="2867025"/>
+          </a:xfrm>
+          <a:prstGeom prst="rect">
+            <a:avLst/>
+          </a:prstGeom>
+        </p:spPr>
+      </p:pic>
+    </p:spTree>
+    <p:extLst>
+      <p:ext uri="{BB962C8B-B14F-4D97-AF65-F5344CB8AC3E}">
+        <p14:creationId xmlns:p14="http://schemas.microsoft.com/office/powerpoint/2010/main" val="2159979399"/>
+      </p:ext>
+    </p:extLst>
+  </p:cSld>
+  <p:clrMapOvr>
+    <a:masterClrMapping/>
+  </p:clrMapOvr>
+</p:sld>
+</file>
+
+<file path=ppt/slides/slide11.xml><?xml version="1.0" encoding="utf-8"?>
+<p:sld xmlns:a="http://schemas.openxmlformats.org/drawingml/2006/main" xmlns:r="http://schemas.openxmlformats.org/officeDocument/2006/relationships" xmlns:p="http://schemas.openxmlformats.org/presentationml/2006/main">
+  <p:cSld>
+    <p:spTree>
+      <p:nvGrpSpPr>
+        <p:cNvPr id="1" name=""/>
+        <p:cNvGrpSpPr/>
+        <p:nvPr/>
+      </p:nvGrpSpPr>
+      <p:grpSpPr>
+        <a:xfrm>
+          <a:off x="0" y="0"/>
+          <a:ext cx="0" cy="0"/>
+          <a:chOff x="0" y="0"/>
+          <a:chExt cx="0" cy="0"/>
+        </a:xfrm>
+      </p:grpSpPr>
+      <p:sp>
+        <p:nvSpPr>
+          <p:cNvPr id="2" name="Title 1">
+            <a:extLst>
+              <a:ext uri="{FF2B5EF4-FFF2-40B4-BE49-F238E27FC236}">
+                <a16:creationId xmlns:a16="http://schemas.microsoft.com/office/drawing/2014/main" id="{905FB09A-B305-4222-B508-124DB5485EE9}"/>
+              </a:ext>
+            </a:extLst>
+          </p:cNvPr>
+          <p:cNvSpPr>
+            <a:spLocks noGrp="1"/>
+          </p:cNvSpPr>
+          <p:nvPr>
+            <p:ph type="title"/>
+          </p:nvPr>
+        </p:nvSpPr>
+        <p:spPr/>
+        <p:txBody>
+          <a:bodyPr/>
+          <a:lstStyle/>
+          <a:p>
+            <a:r>
+              <a:rPr lang="da-DK" dirty="0"/>
+              <a:t>The workflow of MLOps</a:t>
+            </a:r>
+          </a:p>
+        </p:txBody>
+      </p:sp>
+      <p:sp>
+        <p:nvSpPr>
+          <p:cNvPr id="3" name="Content Placeholder 2">
+            <a:extLst>
+              <a:ext uri="{FF2B5EF4-FFF2-40B4-BE49-F238E27FC236}">
+                <a16:creationId xmlns:a16="http://schemas.microsoft.com/office/drawing/2014/main" id="{22056867-34EE-4A85-9BA0-C554C96F7F4C}"/>
+              </a:ext>
+            </a:extLst>
+          </p:cNvPr>
+          <p:cNvSpPr>
+            <a:spLocks noGrp="1"/>
+          </p:cNvSpPr>
+          <p:nvPr>
+            <p:ph idx="1"/>
+          </p:nvPr>
+        </p:nvSpPr>
+        <p:spPr/>
+        <p:txBody>
+          <a:bodyPr>
+            <a:normAutofit lnSpcReduction="10000"/>
+          </a:bodyPr>
+          <a:lstStyle/>
+          <a:p>
+            <a:pPr marL="0" indent="0">
+              <a:buNone/>
+            </a:pPr>
+            <a:r>
+              <a:rPr lang="da-DK" dirty="0"/>
+              <a:t>DevOps on steriods </a:t>
+            </a:r>
+          </a:p>
+          <a:p>
+            <a:pPr marL="0" indent="0">
+              <a:buNone/>
+            </a:pPr>
+            <a:endParaRPr lang="da-DK" dirty="0"/>
+          </a:p>
+          <a:p>
+            <a:pPr marL="0" indent="0">
+              <a:buNone/>
+            </a:pPr>
+            <a:endParaRPr lang="da-DK" dirty="0"/>
+          </a:p>
+          <a:p>
+            <a:pPr marL="0" indent="0">
+              <a:buNone/>
+            </a:pPr>
+            <a:endParaRPr lang="da-DK" dirty="0"/>
+          </a:p>
+          <a:p>
+            <a:pPr marL="0" indent="0">
+              <a:buNone/>
+            </a:pPr>
+            <a:endParaRPr lang="da-DK" dirty="0"/>
+          </a:p>
+          <a:p>
+            <a:pPr marL="0" indent="0">
+              <a:buNone/>
+            </a:pPr>
+            <a:endParaRPr lang="da-DK" dirty="0"/>
+          </a:p>
+          <a:p>
+            <a:pPr marL="0" indent="0">
+              <a:buNone/>
+            </a:pPr>
+            <a:endParaRPr lang="da-DK" dirty="0"/>
+          </a:p>
+          <a:p>
+            <a:pPr marL="0" indent="0">
+              <a:buNone/>
+            </a:pPr>
+            <a:endParaRPr lang="da-DK" dirty="0"/>
+          </a:p>
+          <a:p>
+            <a:pPr marL="0" indent="0">
+              <a:buNone/>
+            </a:pPr>
+            <a:endParaRPr lang="da-DK" dirty="0"/>
+          </a:p>
+          <a:p>
+            <a:pPr marL="0" indent="0">
+              <a:buNone/>
+            </a:pPr>
+            <a:r>
+              <a:rPr lang="da-DK" dirty="0"/>
+              <a:t>The big difference is MLOps requires domain knowledge</a:t>
+            </a:r>
+          </a:p>
+        </p:txBody>
+      </p:sp>
+      <p:sp>
+        <p:nvSpPr>
+          <p:cNvPr id="4" name="Date Placeholder 3">
+            <a:extLst>
+              <a:ext uri="{FF2B5EF4-FFF2-40B4-BE49-F238E27FC236}">
+                <a16:creationId xmlns:a16="http://schemas.microsoft.com/office/drawing/2014/main" id="{AA8A8240-C852-45D2-895A-DB229BFFC88B}"/>
+              </a:ext>
+            </a:extLst>
+          </p:cNvPr>
+          <p:cNvSpPr>
+            <a:spLocks noGrp="1"/>
+          </p:cNvSpPr>
+          <p:nvPr>
+            <p:ph type="dt" sz="half" idx="10"/>
+          </p:nvPr>
+        </p:nvSpPr>
+        <p:spPr/>
+        <p:txBody>
+          <a:bodyPr/>
+          <a:lstStyle/>
+          <a:p>
+            <a:fld id="{019E29B9-5584-4737-9C98-1B926378C778}" type="datetime1">
+              <a:rPr lang="en-US" smtClean="0"/>
+              <a:t>5/19/2021</a:t>
+            </a:fld>
+            <a:endParaRPr lang="da-DK"/>
+          </a:p>
+        </p:txBody>
+      </p:sp>
+      <p:sp>
+        <p:nvSpPr>
+          <p:cNvPr id="5" name="Footer Placeholder 4">
+            <a:extLst>
+              <a:ext uri="{FF2B5EF4-FFF2-40B4-BE49-F238E27FC236}">
+                <a16:creationId xmlns:a16="http://schemas.microsoft.com/office/drawing/2014/main" id="{8B9D780B-0B02-4D2C-88E7-4B39FC627CFF}"/>
+              </a:ext>
+            </a:extLst>
+          </p:cNvPr>
+          <p:cNvSpPr>
+            <a:spLocks noGrp="1"/>
+          </p:cNvSpPr>
+          <p:nvPr>
+            <p:ph type="ftr" sz="quarter" idx="11"/>
+          </p:nvPr>
+        </p:nvSpPr>
+        <p:spPr/>
+        <p:txBody>
+          <a:bodyPr/>
+          <a:lstStyle/>
+          <a:p>
+            <a:r>
+              <a:rPr lang="da-DK"/>
+              <a:t>Nicki Skafte Detlefsen</a:t>
+            </a:r>
+          </a:p>
+        </p:txBody>
+      </p:sp>
+      <p:sp>
+        <p:nvSpPr>
+          <p:cNvPr id="6" name="Slide Number Placeholder 5">
+            <a:extLst>
+              <a:ext uri="{FF2B5EF4-FFF2-40B4-BE49-F238E27FC236}">
+                <a16:creationId xmlns:a16="http://schemas.microsoft.com/office/drawing/2014/main" id="{274169F7-2CDC-4FCE-9CB8-CDBED788E075}"/>
+              </a:ext>
+            </a:extLst>
+          </p:cNvPr>
+          <p:cNvSpPr>
+            <a:spLocks noGrp="1"/>
+          </p:cNvSpPr>
+          <p:nvPr>
+            <p:ph type="sldNum" sz="quarter" idx="12"/>
+          </p:nvPr>
+        </p:nvSpPr>
+        <p:spPr/>
+        <p:txBody>
+          <a:bodyPr/>
+          <a:lstStyle/>
+          <a:p>
+            <a:fld id="{F6FEDE24-D50C-481B-A7B4-8AF13899101A}" type="slidenum">
+              <a:rPr lang="da-DK" smtClean="0"/>
+              <a:t>11</a:t>
+            </a:fld>
+            <a:endParaRPr lang="da-DK"/>
+          </a:p>
+        </p:txBody>
+      </p:sp>
+      <p:pic>
+        <p:nvPicPr>
+          <p:cNvPr id="8" name="Picture 7">
+            <a:extLst>
+              <a:ext uri="{FF2B5EF4-FFF2-40B4-BE49-F238E27FC236}">
+                <a16:creationId xmlns:a16="http://schemas.microsoft.com/office/drawing/2014/main" id="{CAB95D0A-861F-4FA0-893B-FC7C5BB1B6C8}"/>
+              </a:ext>
+            </a:extLst>
+          </p:cNvPr>
+          <p:cNvPicPr>
+            <a:picLocks noChangeAspect="1"/>
+          </p:cNvPicPr>
+          <p:nvPr/>
+        </p:nvPicPr>
+        <p:blipFill>
+          <a:blip r:embed="rId2"/>
+          <a:stretch>
+            <a:fillRect/>
+          </a:stretch>
+        </p:blipFill>
+        <p:spPr>
+          <a:xfrm>
+            <a:off x="2209800" y="1742492"/>
+            <a:ext cx="7791450" cy="3771900"/>
+          </a:xfrm>
+          <a:prstGeom prst="rect">
+            <a:avLst/>
+          </a:prstGeom>
+        </p:spPr>
+      </p:pic>
+      <p:sp>
+        <p:nvSpPr>
+          <p:cNvPr id="9" name="Rectangle 8">
+            <a:extLst>
+              <a:ext uri="{FF2B5EF4-FFF2-40B4-BE49-F238E27FC236}">
+                <a16:creationId xmlns:a16="http://schemas.microsoft.com/office/drawing/2014/main" id="{BF6EBAD4-482A-40AB-8864-41A74910FD4F}"/>
+              </a:ext>
+            </a:extLst>
+          </p:cNvPr>
+          <p:cNvSpPr/>
+          <p:nvPr/>
+        </p:nvSpPr>
+        <p:spPr>
+          <a:xfrm>
+            <a:off x="1987420" y="4208106"/>
+            <a:ext cx="2519266" cy="1231641"/>
+          </a:xfrm>
+          <a:prstGeom prst="rect">
+            <a:avLst/>
+          </a:prstGeom>
+          <a:noFill/>
+          <a:ln w="38100">
+            <a:solidFill>
+              <a:srgbClr val="FF0000"/>
+            </a:solidFill>
+          </a:ln>
+        </p:spPr>
+        <p:style>
+          <a:lnRef idx="2">
+            <a:schemeClr val="accent1">
+              <a:shade val="50000"/>
+            </a:schemeClr>
+          </a:lnRef>
+          <a:fillRef idx="1">
+            <a:schemeClr val="accent1"/>
+          </a:fillRef>
+          <a:effectRef idx="0">
+            <a:schemeClr val="accent1"/>
+          </a:effectRef>
+          <a:fontRef idx="minor">
+            <a:schemeClr val="lt1"/>
+          </a:fontRef>
+        </p:style>
+        <p:txBody>
+          <a:bodyPr rtlCol="0" anchor="ctr"/>
+          <a:lstStyle/>
+          <a:p>
+            <a:pPr algn="ctr"/>
+            <a:endParaRPr lang="da-DK"/>
+          </a:p>
+        </p:txBody>
+      </p:sp>
+      <p:sp>
+        <p:nvSpPr>
+          <p:cNvPr id="10" name="TextBox 9">
+            <a:extLst>
+              <a:ext uri="{FF2B5EF4-FFF2-40B4-BE49-F238E27FC236}">
+                <a16:creationId xmlns:a16="http://schemas.microsoft.com/office/drawing/2014/main" id="{BB790F36-3E73-403F-B59B-995205F36A58}"/>
+              </a:ext>
+            </a:extLst>
+          </p:cNvPr>
+          <p:cNvSpPr txBox="1"/>
+          <p:nvPr/>
+        </p:nvSpPr>
+        <p:spPr>
+          <a:xfrm>
+            <a:off x="91508" y="4500760"/>
+            <a:ext cx="1895912" cy="646331"/>
+          </a:xfrm>
+          <a:prstGeom prst="rect">
+            <a:avLst/>
+          </a:prstGeom>
+          <a:noFill/>
+        </p:spPr>
+        <p:txBody>
+          <a:bodyPr wrap="square" rtlCol="0">
+            <a:spAutoFit/>
+          </a:bodyPr>
+          <a:lstStyle/>
+          <a:p>
+            <a:r>
+              <a:rPr lang="da-DK" dirty="0"/>
+              <a:t>This is what I expect you can do</a:t>
+            </a:r>
+          </a:p>
+        </p:txBody>
+      </p:sp>
+    </p:spTree>
+    <p:extLst>
+      <p:ext uri="{BB962C8B-B14F-4D97-AF65-F5344CB8AC3E}">
+        <p14:creationId xmlns:p14="http://schemas.microsoft.com/office/powerpoint/2010/main" val="2653774445"/>
+      </p:ext>
+    </p:extLst>
+  </p:cSld>
+  <p:clrMapOvr>
+    <a:masterClrMapping/>
+  </p:clrMapOvr>
+</p:sld>
+</file>
+
+<file path=ppt/slides/slide12.xml><?xml version="1.0" encoding="utf-8"?>
+<p:sld xmlns:a="http://schemas.openxmlformats.org/drawingml/2006/main" xmlns:r="http://schemas.openxmlformats.org/officeDocument/2006/relationships" xmlns:p="http://schemas.openxmlformats.org/presentationml/2006/main">
+  <p:cSld>
+    <p:spTree>
+      <p:nvGrpSpPr>
+        <p:cNvPr id="1" name=""/>
+        <p:cNvGrpSpPr/>
+        <p:nvPr/>
+      </p:nvGrpSpPr>
+      <p:grpSpPr>
+        <a:xfrm>
+          <a:off x="0" y="0"/>
+          <a:ext cx="0" cy="0"/>
+          <a:chOff x="0" y="0"/>
+          <a:chExt cx="0" cy="0"/>
+        </a:xfrm>
+      </p:grpSpPr>
+      <p:sp>
+        <p:nvSpPr>
+          <p:cNvPr id="2" name="Title 1">
+            <a:extLst>
+              <a:ext uri="{FF2B5EF4-FFF2-40B4-BE49-F238E27FC236}">
+                <a16:creationId xmlns:a16="http://schemas.microsoft.com/office/drawing/2014/main" id="{30E322A3-B698-492C-A2CB-061CD72D2025}"/>
+              </a:ext>
+            </a:extLst>
+          </p:cNvPr>
+          <p:cNvSpPr>
+            <a:spLocks noGrp="1"/>
+          </p:cNvSpPr>
+          <p:nvPr>
+            <p:ph type="title"/>
+          </p:nvPr>
+        </p:nvSpPr>
+        <p:spPr/>
+        <p:txBody>
+          <a:bodyPr/>
+          <a:lstStyle/>
+          <a:p>
+            <a:r>
+              <a:rPr lang="da-DK" dirty="0"/>
+              <a:t>MLOps at a high level</a:t>
+            </a:r>
+          </a:p>
+        </p:txBody>
+      </p:sp>
+      <p:sp>
+        <p:nvSpPr>
+          <p:cNvPr id="3" name="Content Placeholder 2">
+            <a:extLst>
+              <a:ext uri="{FF2B5EF4-FFF2-40B4-BE49-F238E27FC236}">
+                <a16:creationId xmlns:a16="http://schemas.microsoft.com/office/drawing/2014/main" id="{427EC525-70A3-4250-A9B6-F40FD34294DD}"/>
+              </a:ext>
+            </a:extLst>
+          </p:cNvPr>
+          <p:cNvSpPr>
+            <a:spLocks noGrp="1"/>
+          </p:cNvSpPr>
+          <p:nvPr>
+            <p:ph idx="1"/>
+          </p:nvPr>
+        </p:nvSpPr>
+        <p:spPr/>
+        <p:txBody>
+          <a:bodyPr/>
+          <a:lstStyle/>
+          <a:p>
+            <a:r>
+              <a:rPr lang="da-DK" dirty="0"/>
+              <a:t>Optimizing workflows</a:t>
+            </a:r>
+          </a:p>
+          <a:p>
+            <a:pPr lvl="1"/>
+            <a:r>
+              <a:rPr lang="da-DK" dirty="0"/>
+              <a:t>Getting organised cost time initially but will save you time down the line</a:t>
+            </a:r>
+          </a:p>
+          <a:p>
+            <a:endParaRPr lang="da-DK" dirty="0"/>
+          </a:p>
+          <a:p>
+            <a:r>
+              <a:rPr lang="da-DK" dirty="0"/>
+              <a:t>Reuseability</a:t>
+            </a:r>
+          </a:p>
+          <a:p>
+            <a:pPr lvl="1"/>
+            <a:r>
+              <a:rPr lang="da-DK" dirty="0"/>
+              <a:t>Why rewrite the same code for a new project if you can reuse</a:t>
+            </a:r>
+          </a:p>
+          <a:p>
+            <a:pPr marL="457200" lvl="1" indent="0">
+              <a:buNone/>
+            </a:pPr>
+            <a:endParaRPr lang="da-DK" dirty="0"/>
+          </a:p>
+          <a:p>
+            <a:r>
+              <a:rPr lang="da-DK" dirty="0"/>
+              <a:t>Reproduceability</a:t>
+            </a:r>
+          </a:p>
+          <a:p>
+            <a:pPr lvl="1"/>
+            <a:r>
+              <a:rPr lang="da-DK" dirty="0"/>
+              <a:t>Make sure that your results can be redon by others</a:t>
+            </a:r>
+          </a:p>
+        </p:txBody>
+      </p:sp>
+      <p:sp>
+        <p:nvSpPr>
+          <p:cNvPr id="4" name="Date Placeholder 3">
+            <a:extLst>
+              <a:ext uri="{FF2B5EF4-FFF2-40B4-BE49-F238E27FC236}">
+                <a16:creationId xmlns:a16="http://schemas.microsoft.com/office/drawing/2014/main" id="{F054A0FA-89FE-4349-A73D-ACD6702A121B}"/>
+              </a:ext>
+            </a:extLst>
+          </p:cNvPr>
+          <p:cNvSpPr>
+            <a:spLocks noGrp="1"/>
+          </p:cNvSpPr>
+          <p:nvPr>
+            <p:ph type="dt" sz="half" idx="10"/>
+          </p:nvPr>
+        </p:nvSpPr>
+        <p:spPr/>
+        <p:txBody>
+          <a:bodyPr/>
+          <a:lstStyle/>
+          <a:p>
+            <a:fld id="{019E29B9-5584-4737-9C98-1B926378C778}" type="datetime1">
+              <a:rPr lang="en-US" smtClean="0"/>
+              <a:t>5/19/2021</a:t>
+            </a:fld>
+            <a:endParaRPr lang="da-DK"/>
+          </a:p>
+        </p:txBody>
+      </p:sp>
+      <p:sp>
+        <p:nvSpPr>
+          <p:cNvPr id="5" name="Footer Placeholder 4">
+            <a:extLst>
+              <a:ext uri="{FF2B5EF4-FFF2-40B4-BE49-F238E27FC236}">
+                <a16:creationId xmlns:a16="http://schemas.microsoft.com/office/drawing/2014/main" id="{B9722F9A-B501-456A-95EC-ECEDBD6BB2BB}"/>
+              </a:ext>
+            </a:extLst>
+          </p:cNvPr>
+          <p:cNvSpPr>
+            <a:spLocks noGrp="1"/>
+          </p:cNvSpPr>
+          <p:nvPr>
+            <p:ph type="ftr" sz="quarter" idx="11"/>
+          </p:nvPr>
+        </p:nvSpPr>
+        <p:spPr/>
+        <p:txBody>
+          <a:bodyPr/>
+          <a:lstStyle/>
+          <a:p>
+            <a:r>
+              <a:rPr lang="da-DK"/>
+              <a:t>Nicki Skafte Detlefsen</a:t>
+            </a:r>
+          </a:p>
+        </p:txBody>
+      </p:sp>
+      <p:sp>
+        <p:nvSpPr>
+          <p:cNvPr id="6" name="Slide Number Placeholder 5">
+            <a:extLst>
+              <a:ext uri="{FF2B5EF4-FFF2-40B4-BE49-F238E27FC236}">
+                <a16:creationId xmlns:a16="http://schemas.microsoft.com/office/drawing/2014/main" id="{E8C2AD3F-E991-4A52-B2D8-1BC7F6C6DF59}"/>
+              </a:ext>
+            </a:extLst>
+          </p:cNvPr>
+          <p:cNvSpPr>
+            <a:spLocks noGrp="1"/>
+          </p:cNvSpPr>
+          <p:nvPr>
+            <p:ph type="sldNum" sz="quarter" idx="12"/>
+          </p:nvPr>
+        </p:nvSpPr>
+        <p:spPr/>
+        <p:txBody>
+          <a:bodyPr/>
+          <a:lstStyle/>
+          <a:p>
+            <a:fld id="{F6FEDE24-D50C-481B-A7B4-8AF13899101A}" type="slidenum">
+              <a:rPr lang="da-DK" smtClean="0"/>
+              <a:t>12</a:t>
+            </a:fld>
+            <a:endParaRPr lang="da-DK"/>
+          </a:p>
+        </p:txBody>
+      </p:sp>
+    </p:spTree>
+    <p:extLst>
+      <p:ext uri="{BB962C8B-B14F-4D97-AF65-F5344CB8AC3E}">
+        <p14:creationId xmlns:p14="http://schemas.microsoft.com/office/powerpoint/2010/main" val="308534081"/>
+      </p:ext>
+    </p:extLst>
+  </p:cSld>
+  <p:clrMapOvr>
+    <a:masterClrMapping/>
+  </p:clrMapOvr>
+</p:sld>
+</file>
+
+<file path=ppt/slides/slide13.xml><?xml version="1.0" encoding="utf-8"?>
+<p:sld xmlns:a="http://schemas.openxmlformats.org/drawingml/2006/main" xmlns:r="http://schemas.openxmlformats.org/officeDocument/2006/relationships" xmlns:p="http://schemas.openxmlformats.org/presentationml/2006/main">
+  <p:cSld>
+    <p:spTree>
+      <p:nvGrpSpPr>
+        <p:cNvPr id="1" name=""/>
+        <p:cNvGrpSpPr/>
+        <p:nvPr/>
+      </p:nvGrpSpPr>
+      <p:grpSpPr>
+        <a:xfrm>
+          <a:off x="0" y="0"/>
+          <a:ext cx="0" cy="0"/>
+          <a:chOff x="0" y="0"/>
+          <a:chExt cx="0" cy="0"/>
+        </a:xfrm>
+      </p:grpSpPr>
+      <p:sp>
+        <p:nvSpPr>
+          <p:cNvPr id="2" name="Title 1">
+            <a:extLst>
+              <a:ext uri="{FF2B5EF4-FFF2-40B4-BE49-F238E27FC236}">
+                <a16:creationId xmlns:a16="http://schemas.microsoft.com/office/drawing/2014/main" id="{6BE5F6FC-4FE8-431A-AD09-C811B0880343}"/>
+              </a:ext>
+            </a:extLst>
+          </p:cNvPr>
+          <p:cNvSpPr>
+            <a:spLocks noGrp="1"/>
+          </p:cNvSpPr>
+          <p:nvPr>
+            <p:ph type="title"/>
+          </p:nvPr>
+        </p:nvSpPr>
+        <p:spPr/>
+        <p:txBody>
+          <a:bodyPr/>
+          <a:lstStyle/>
+          <a:p>
+            <a:r>
+              <a:rPr lang="da-DK" dirty="0"/>
+              <a:t>The first step of MLOps: Getting organised</a:t>
+            </a:r>
+          </a:p>
+        </p:txBody>
+      </p:sp>
+      <p:sp>
+        <p:nvSpPr>
+          <p:cNvPr id="3" name="Content Placeholder 2">
+            <a:extLst>
+              <a:ext uri="{FF2B5EF4-FFF2-40B4-BE49-F238E27FC236}">
+                <a16:creationId xmlns:a16="http://schemas.microsoft.com/office/drawing/2014/main" id="{B0CC81D8-5F09-415D-B1E8-1C32064AB27D}"/>
+              </a:ext>
+            </a:extLst>
+          </p:cNvPr>
+          <p:cNvSpPr>
+            <a:spLocks noGrp="1"/>
+          </p:cNvSpPr>
+          <p:nvPr>
+            <p:ph idx="1"/>
+          </p:nvPr>
+        </p:nvSpPr>
+        <p:spPr/>
+        <p:txBody>
+          <a:bodyPr/>
+          <a:lstStyle/>
+          <a:p>
+            <a:pPr marL="0" indent="0">
+              <a:buNone/>
+            </a:pPr>
+            <a:r>
+              <a:rPr lang="da-DK" dirty="0"/>
+              <a:t>Todays exercises is all about organising your workflow.</a:t>
+            </a:r>
+          </a:p>
+          <a:p>
+            <a:pPr marL="0" indent="0">
+              <a:buNone/>
+            </a:pPr>
+            <a:endParaRPr lang="da-DK" dirty="0"/>
+          </a:p>
+          <a:p>
+            <a:pPr marL="0" indent="0">
+              <a:buNone/>
+            </a:pPr>
+            <a:r>
+              <a:rPr lang="da-DK" dirty="0"/>
+              <a:t>Note that</a:t>
+            </a:r>
+          </a:p>
+          <a:p>
+            <a:r>
+              <a:rPr lang="da-DK" dirty="0"/>
+              <a:t>While organization is maybe not that big of a deal on personal projects, it is a essential factor when working on large scale projects</a:t>
+            </a:r>
+          </a:p>
+          <a:p>
+            <a:endParaRPr lang="da-DK" dirty="0"/>
+          </a:p>
+          <a:p>
+            <a:pPr marL="0" indent="0">
+              <a:buNone/>
+            </a:pPr>
+            <a:endParaRPr lang="da-DK" dirty="0"/>
+          </a:p>
+          <a:p>
+            <a:pPr marL="0" indent="0">
+              <a:buNone/>
+            </a:pPr>
+            <a:endParaRPr lang="da-DK" dirty="0"/>
+          </a:p>
+          <a:p>
+            <a:pPr marL="0" indent="0">
+              <a:buNone/>
+            </a:pPr>
+            <a:endParaRPr lang="da-DK" dirty="0"/>
+          </a:p>
+        </p:txBody>
+      </p:sp>
+      <p:sp>
+        <p:nvSpPr>
+          <p:cNvPr id="4" name="Date Placeholder 3">
+            <a:extLst>
+              <a:ext uri="{FF2B5EF4-FFF2-40B4-BE49-F238E27FC236}">
+                <a16:creationId xmlns:a16="http://schemas.microsoft.com/office/drawing/2014/main" id="{58929028-2551-448C-B7F4-20EF5258E0AD}"/>
+              </a:ext>
+            </a:extLst>
+          </p:cNvPr>
+          <p:cNvSpPr>
+            <a:spLocks noGrp="1"/>
+          </p:cNvSpPr>
+          <p:nvPr>
+            <p:ph type="dt" sz="half" idx="10"/>
+          </p:nvPr>
+        </p:nvSpPr>
+        <p:spPr/>
+        <p:txBody>
+          <a:bodyPr/>
+          <a:lstStyle/>
+          <a:p>
+            <a:fld id="{019E29B9-5584-4737-9C98-1B926378C778}" type="datetime1">
+              <a:rPr lang="en-US" smtClean="0"/>
+              <a:t>5/19/2021</a:t>
+            </a:fld>
+            <a:endParaRPr lang="da-DK"/>
+          </a:p>
+        </p:txBody>
+      </p:sp>
+      <p:sp>
+        <p:nvSpPr>
+          <p:cNvPr id="5" name="Footer Placeholder 4">
+            <a:extLst>
+              <a:ext uri="{FF2B5EF4-FFF2-40B4-BE49-F238E27FC236}">
+                <a16:creationId xmlns:a16="http://schemas.microsoft.com/office/drawing/2014/main" id="{1503B068-B404-4A2D-B2FB-D318C5FF8C6C}"/>
+              </a:ext>
+            </a:extLst>
+          </p:cNvPr>
+          <p:cNvSpPr>
+            <a:spLocks noGrp="1"/>
+          </p:cNvSpPr>
+          <p:nvPr>
+            <p:ph type="ftr" sz="quarter" idx="11"/>
+          </p:nvPr>
+        </p:nvSpPr>
+        <p:spPr/>
+        <p:txBody>
+          <a:bodyPr/>
+          <a:lstStyle/>
+          <a:p>
+            <a:r>
+              <a:rPr lang="da-DK"/>
+              <a:t>Nicki Skafte Detlefsen</a:t>
+            </a:r>
+          </a:p>
+        </p:txBody>
+      </p:sp>
+      <p:sp>
+        <p:nvSpPr>
+          <p:cNvPr id="6" name="Slide Number Placeholder 5">
+            <a:extLst>
+              <a:ext uri="{FF2B5EF4-FFF2-40B4-BE49-F238E27FC236}">
+                <a16:creationId xmlns:a16="http://schemas.microsoft.com/office/drawing/2014/main" id="{5BC15310-A02D-47C6-AE42-9A4DF0E0D126}"/>
+              </a:ext>
+            </a:extLst>
+          </p:cNvPr>
+          <p:cNvSpPr>
+            <a:spLocks noGrp="1"/>
+          </p:cNvSpPr>
+          <p:nvPr>
+            <p:ph type="sldNum" sz="quarter" idx="12"/>
+          </p:nvPr>
+        </p:nvSpPr>
+        <p:spPr/>
+        <p:txBody>
+          <a:bodyPr/>
+          <a:lstStyle/>
+          <a:p>
+            <a:fld id="{F6FEDE24-D50C-481B-A7B4-8AF13899101A}" type="slidenum">
+              <a:rPr lang="da-DK" smtClean="0"/>
+              <a:t>13</a:t>
             </a:fld>
             <a:endParaRPr lang="da-DK"/>
           </a:p>
@@ -4517,7 +5310,7 @@
           <a:p>
             <a:fld id="{019E29B9-5584-4737-9C98-1B926378C778}" type="datetime1">
               <a:rPr lang="en-US" smtClean="0"/>
-              <a:t>5/13/2021</a:t>
+              <a:t>5/19/2021</a:t>
             </a:fld>
             <a:endParaRPr lang="da-DK"/>
           </a:p>
@@ -4728,7 +5521,7 @@
           <a:p>
             <a:fld id="{019E29B9-5584-4737-9C98-1B926378C778}" type="datetime1">
               <a:rPr lang="en-US" smtClean="0"/>
-              <a:t>5/13/2021</a:t>
+              <a:t>5/19/2021</a:t>
             </a:fld>
             <a:endParaRPr lang="da-DK"/>
           </a:p>
@@ -5161,7 +5954,7 @@
           <a:p>
             <a:fld id="{019E29B9-5584-4737-9C98-1B926378C778}" type="datetime1">
               <a:rPr lang="en-US" smtClean="0"/>
-              <a:t>5/13/2021</a:t>
+              <a:t>5/19/2021</a:t>
             </a:fld>
             <a:endParaRPr lang="da-DK"/>
           </a:p>
@@ -5386,7 +6179,7 @@
           <a:p>
             <a:fld id="{019E29B9-5584-4737-9C98-1B926378C778}" type="datetime1">
               <a:rPr lang="en-US" smtClean="0"/>
-              <a:t>5/13/2021</a:t>
+              <a:t>5/19/2021</a:t>
             </a:fld>
             <a:endParaRPr lang="da-DK"/>
           </a:p>
@@ -5519,7 +6312,7 @@
           <p:cNvPr id="2" name="Title 1">
             <a:extLst>
               <a:ext uri="{FF2B5EF4-FFF2-40B4-BE49-F238E27FC236}">
-                <a16:creationId xmlns:a16="http://schemas.microsoft.com/office/drawing/2014/main" id="{F3EE0E10-FDA9-4B7D-A493-FBF6E7E47DF4}"/>
+                <a16:creationId xmlns:a16="http://schemas.microsoft.com/office/drawing/2014/main" id="{B3C7C5F7-A0C3-4C37-8BB2-FF5E933E36A1}"/>
               </a:ext>
             </a:extLst>
           </p:cNvPr>
@@ -5537,7 +6330,7 @@
           <a:p>
             <a:r>
               <a:rPr lang="da-DK" dirty="0"/>
-              <a:t>Design</a:t>
+              <a:t>Why is MLOps harder than DevOps</a:t>
             </a:r>
           </a:p>
         </p:txBody>
@@ -5547,7 +6340,7 @@
           <p:cNvPr id="3" name="Content Placeholder 2">
             <a:extLst>
               <a:ext uri="{FF2B5EF4-FFF2-40B4-BE49-F238E27FC236}">
-                <a16:creationId xmlns:a16="http://schemas.microsoft.com/office/drawing/2014/main" id="{75AEB1BF-D821-42C8-A483-4366CA031BDD}"/>
+                <a16:creationId xmlns:a16="http://schemas.microsoft.com/office/drawing/2014/main" id="{E3FCF168-9DB7-4D76-94BF-D6A9A4A24C0C}"/>
               </a:ext>
             </a:extLst>
           </p:cNvPr>
@@ -5565,36 +6358,7 @@
           <a:p>
             <a:r>
               <a:rPr lang="da-DK" dirty="0"/>
-              <a:t>The is the main part we train you at DTU</a:t>
-            </a:r>
-          </a:p>
-          <a:p>
-            <a:pPr lvl="1"/>
-            <a:r>
-              <a:rPr lang="da-DK" dirty="0"/>
-              <a:t>Analyze a problem</a:t>
-            </a:r>
-          </a:p>
-          <a:p>
-            <a:pPr lvl="1"/>
-            <a:endParaRPr lang="da-DK" dirty="0"/>
-          </a:p>
-          <a:p>
-            <a:pPr lvl="1"/>
-            <a:r>
-              <a:rPr lang="da-DK" dirty="0"/>
-              <a:t>Look in litterature for references</a:t>
-            </a:r>
-          </a:p>
-          <a:p>
-            <a:pPr lvl="1"/>
-            <a:endParaRPr lang="da-DK" dirty="0"/>
-          </a:p>
-          <a:p>
-            <a:pPr lvl="1"/>
-            <a:r>
-              <a:rPr lang="da-DK" dirty="0"/>
-              <a:t>Check if you have access to data for investigating this</a:t>
+              <a:t>It involves a freaking lot of testing </a:t>
             </a:r>
           </a:p>
         </p:txBody>
@@ -5604,7 +6368,7 @@
           <p:cNvPr id="4" name="Date Placeholder 3">
             <a:extLst>
               <a:ext uri="{FF2B5EF4-FFF2-40B4-BE49-F238E27FC236}">
-                <a16:creationId xmlns:a16="http://schemas.microsoft.com/office/drawing/2014/main" id="{47F83E5C-46B0-46AC-B851-786890FA42FD}"/>
+                <a16:creationId xmlns:a16="http://schemas.microsoft.com/office/drawing/2014/main" id="{8D2B24D6-58F9-4C4D-8AC3-0BDFE98B2141}"/>
               </a:ext>
             </a:extLst>
           </p:cNvPr>
@@ -5622,7 +6386,7 @@
           <a:p>
             <a:fld id="{019E29B9-5584-4737-9C98-1B926378C778}" type="datetime1">
               <a:rPr lang="en-US" smtClean="0"/>
-              <a:t>5/13/2021</a:t>
+              <a:t>5/19/2021</a:t>
             </a:fld>
             <a:endParaRPr lang="da-DK"/>
           </a:p>
@@ -5633,7 +6397,7 @@
           <p:cNvPr id="5" name="Footer Placeholder 4">
             <a:extLst>
               <a:ext uri="{FF2B5EF4-FFF2-40B4-BE49-F238E27FC236}">
-                <a16:creationId xmlns:a16="http://schemas.microsoft.com/office/drawing/2014/main" id="{FB834890-689F-4F9B-81AD-F1E230E8DA47}"/>
+                <a16:creationId xmlns:a16="http://schemas.microsoft.com/office/drawing/2014/main" id="{4B519EF9-4AC8-4F91-A5F3-9F28372C6955}"/>
               </a:ext>
             </a:extLst>
           </p:cNvPr>
@@ -5661,7 +6425,7 @@
           <p:cNvPr id="6" name="Slide Number Placeholder 5">
             <a:extLst>
               <a:ext uri="{FF2B5EF4-FFF2-40B4-BE49-F238E27FC236}">
-                <a16:creationId xmlns:a16="http://schemas.microsoft.com/office/drawing/2014/main" id="{B6D8BCA8-A308-4056-9659-FCF8E4624824}"/>
+                <a16:creationId xmlns:a16="http://schemas.microsoft.com/office/drawing/2014/main" id="{2A129990-23E3-4865-B502-38BCA69CCC69}"/>
               </a:ext>
             </a:extLst>
           </p:cNvPr>
@@ -5680,6 +6444,236 @@
             <a:fld id="{F6FEDE24-D50C-481B-A7B4-8AF13899101A}" type="slidenum">
               <a:rPr lang="da-DK" smtClean="0"/>
               <a:t>6</a:t>
+            </a:fld>
+            <a:endParaRPr lang="da-DK"/>
+          </a:p>
+        </p:txBody>
+      </p:sp>
+      <p:pic>
+        <p:nvPicPr>
+          <p:cNvPr id="8" name="Picture 7">
+            <a:extLst>
+              <a:ext uri="{FF2B5EF4-FFF2-40B4-BE49-F238E27FC236}">
+                <a16:creationId xmlns:a16="http://schemas.microsoft.com/office/drawing/2014/main" id="{E8596830-4069-4C88-A123-EF0BF3DD44C5}"/>
+              </a:ext>
+            </a:extLst>
+          </p:cNvPr>
+          <p:cNvPicPr>
+            <a:picLocks noChangeAspect="1"/>
+          </p:cNvPicPr>
+          <p:nvPr/>
+        </p:nvPicPr>
+        <p:blipFill rotWithShape="1">
+          <a:blip r:embed="rId2"/>
+          <a:srcRect t="15090" b="1943"/>
+          <a:stretch/>
+        </p:blipFill>
+        <p:spPr>
+          <a:xfrm>
+            <a:off x="838200" y="1971412"/>
+            <a:ext cx="10730686" cy="3224198"/>
+          </a:xfrm>
+          <a:prstGeom prst="rect">
+            <a:avLst/>
+          </a:prstGeom>
+        </p:spPr>
+      </p:pic>
+    </p:spTree>
+    <p:extLst>
+      <p:ext uri="{BB962C8B-B14F-4D97-AF65-F5344CB8AC3E}">
+        <p14:creationId xmlns:p14="http://schemas.microsoft.com/office/powerpoint/2010/main" val="2236902809"/>
+      </p:ext>
+    </p:extLst>
+  </p:cSld>
+  <p:clrMapOvr>
+    <a:masterClrMapping/>
+  </p:clrMapOvr>
+</p:sld>
+</file>
+
+<file path=ppt/slides/slide7.xml><?xml version="1.0" encoding="utf-8"?>
+<p:sld xmlns:a="http://schemas.openxmlformats.org/drawingml/2006/main" xmlns:r="http://schemas.openxmlformats.org/officeDocument/2006/relationships" xmlns:p="http://schemas.openxmlformats.org/presentationml/2006/main">
+  <p:cSld>
+    <p:spTree>
+      <p:nvGrpSpPr>
+        <p:cNvPr id="1" name=""/>
+        <p:cNvGrpSpPr/>
+        <p:nvPr/>
+      </p:nvGrpSpPr>
+      <p:grpSpPr>
+        <a:xfrm>
+          <a:off x="0" y="0"/>
+          <a:ext cx="0" cy="0"/>
+          <a:chOff x="0" y="0"/>
+          <a:chExt cx="0" cy="0"/>
+        </a:xfrm>
+      </p:grpSpPr>
+      <p:sp>
+        <p:nvSpPr>
+          <p:cNvPr id="2" name="Title 1">
+            <a:extLst>
+              <a:ext uri="{FF2B5EF4-FFF2-40B4-BE49-F238E27FC236}">
+                <a16:creationId xmlns:a16="http://schemas.microsoft.com/office/drawing/2014/main" id="{F3EE0E10-FDA9-4B7D-A493-FBF6E7E47DF4}"/>
+              </a:ext>
+            </a:extLst>
+          </p:cNvPr>
+          <p:cNvSpPr>
+            <a:spLocks noGrp="1"/>
+          </p:cNvSpPr>
+          <p:nvPr>
+            <p:ph type="title"/>
+          </p:nvPr>
+        </p:nvSpPr>
+        <p:spPr/>
+        <p:txBody>
+          <a:bodyPr/>
+          <a:lstStyle/>
+          <a:p>
+            <a:r>
+              <a:rPr lang="da-DK" dirty="0"/>
+              <a:t>Design</a:t>
+            </a:r>
+          </a:p>
+        </p:txBody>
+      </p:sp>
+      <p:sp>
+        <p:nvSpPr>
+          <p:cNvPr id="3" name="Content Placeholder 2">
+            <a:extLst>
+              <a:ext uri="{FF2B5EF4-FFF2-40B4-BE49-F238E27FC236}">
+                <a16:creationId xmlns:a16="http://schemas.microsoft.com/office/drawing/2014/main" id="{75AEB1BF-D821-42C8-A483-4366CA031BDD}"/>
+              </a:ext>
+            </a:extLst>
+          </p:cNvPr>
+          <p:cNvSpPr>
+            <a:spLocks noGrp="1"/>
+          </p:cNvSpPr>
+          <p:nvPr>
+            <p:ph idx="1"/>
+          </p:nvPr>
+        </p:nvSpPr>
+        <p:spPr/>
+        <p:txBody>
+          <a:bodyPr/>
+          <a:lstStyle/>
+          <a:p>
+            <a:r>
+              <a:rPr lang="da-DK" dirty="0"/>
+              <a:t>The is the main part we train you at DTU</a:t>
+            </a:r>
+          </a:p>
+          <a:p>
+            <a:pPr lvl="1"/>
+            <a:r>
+              <a:rPr lang="da-DK" dirty="0"/>
+              <a:t>Analyze a problem</a:t>
+            </a:r>
+          </a:p>
+          <a:p>
+            <a:pPr lvl="1"/>
+            <a:endParaRPr lang="da-DK" dirty="0"/>
+          </a:p>
+          <a:p>
+            <a:pPr lvl="1"/>
+            <a:r>
+              <a:rPr lang="da-DK" dirty="0"/>
+              <a:t>Look in litterature for references</a:t>
+            </a:r>
+          </a:p>
+          <a:p>
+            <a:pPr lvl="1"/>
+            <a:endParaRPr lang="da-DK" dirty="0"/>
+          </a:p>
+          <a:p>
+            <a:pPr lvl="1"/>
+            <a:r>
+              <a:rPr lang="da-DK" dirty="0"/>
+              <a:t>Check if you have access to data for investigating this</a:t>
+            </a:r>
+          </a:p>
+        </p:txBody>
+      </p:sp>
+      <p:sp>
+        <p:nvSpPr>
+          <p:cNvPr id="4" name="Date Placeholder 3">
+            <a:extLst>
+              <a:ext uri="{FF2B5EF4-FFF2-40B4-BE49-F238E27FC236}">
+                <a16:creationId xmlns:a16="http://schemas.microsoft.com/office/drawing/2014/main" id="{47F83E5C-46B0-46AC-B851-786890FA42FD}"/>
+              </a:ext>
+            </a:extLst>
+          </p:cNvPr>
+          <p:cNvSpPr>
+            <a:spLocks noGrp="1"/>
+          </p:cNvSpPr>
+          <p:nvPr>
+            <p:ph type="dt" sz="half" idx="10"/>
+          </p:nvPr>
+        </p:nvSpPr>
+        <p:spPr/>
+        <p:txBody>
+          <a:bodyPr/>
+          <a:lstStyle/>
+          <a:p>
+            <a:fld id="{019E29B9-5584-4737-9C98-1B926378C778}" type="datetime1">
+              <a:rPr lang="en-US" smtClean="0"/>
+              <a:t>5/19/2021</a:t>
+            </a:fld>
+            <a:endParaRPr lang="da-DK"/>
+          </a:p>
+        </p:txBody>
+      </p:sp>
+      <p:sp>
+        <p:nvSpPr>
+          <p:cNvPr id="5" name="Footer Placeholder 4">
+            <a:extLst>
+              <a:ext uri="{FF2B5EF4-FFF2-40B4-BE49-F238E27FC236}">
+                <a16:creationId xmlns:a16="http://schemas.microsoft.com/office/drawing/2014/main" id="{FB834890-689F-4F9B-81AD-F1E230E8DA47}"/>
+              </a:ext>
+            </a:extLst>
+          </p:cNvPr>
+          <p:cNvSpPr>
+            <a:spLocks noGrp="1"/>
+          </p:cNvSpPr>
+          <p:nvPr>
+            <p:ph type="ftr" sz="quarter" idx="11"/>
+          </p:nvPr>
+        </p:nvSpPr>
+        <p:spPr/>
+        <p:txBody>
+          <a:bodyPr/>
+          <a:lstStyle/>
+          <a:p>
+            <a:r>
+              <a:rPr lang="da-DK"/>
+              <a:t>Nicki Skafte Detlefsen</a:t>
+            </a:r>
+          </a:p>
+        </p:txBody>
+      </p:sp>
+      <p:sp>
+        <p:nvSpPr>
+          <p:cNvPr id="6" name="Slide Number Placeholder 5">
+            <a:extLst>
+              <a:ext uri="{FF2B5EF4-FFF2-40B4-BE49-F238E27FC236}">
+                <a16:creationId xmlns:a16="http://schemas.microsoft.com/office/drawing/2014/main" id="{B6D8BCA8-A308-4056-9659-FCF8E4624824}"/>
+              </a:ext>
+            </a:extLst>
+          </p:cNvPr>
+          <p:cNvSpPr>
+            <a:spLocks noGrp="1"/>
+          </p:cNvSpPr>
+          <p:nvPr>
+            <p:ph type="sldNum" sz="quarter" idx="12"/>
+          </p:nvPr>
+        </p:nvSpPr>
+        <p:spPr/>
+        <p:txBody>
+          <a:bodyPr/>
+          <a:lstStyle/>
+          <a:p>
+            <a:fld id="{F6FEDE24-D50C-481B-A7B4-8AF13899101A}" type="slidenum">
+              <a:rPr lang="da-DK" smtClean="0"/>
+              <a:t>7</a:t>
             </a:fld>
             <a:endParaRPr lang="da-DK"/>
           </a:p>
@@ -5733,7 +6727,7 @@
 </p:sld>
 </file>
 
-<file path=ppt/slides/slide7.xml><?xml version="1.0" encoding="utf-8"?>
+<file path=ppt/slides/slide8.xml><?xml version="1.0" encoding="utf-8"?>
 <p:sld xmlns:a="http://schemas.openxmlformats.org/drawingml/2006/main" xmlns:r="http://schemas.openxmlformats.org/officeDocument/2006/relationships" xmlns:p="http://schemas.openxmlformats.org/presentationml/2006/main">
   <p:cSld>
     <p:spTree>
@@ -5875,7 +6869,7 @@
           <a:p>
             <a:fld id="{019E29B9-5584-4737-9C98-1B926378C778}" type="datetime1">
               <a:rPr lang="en-US" smtClean="0"/>
-              <a:t>5/13/2021</a:t>
+              <a:t>5/19/2021</a:t>
             </a:fld>
             <a:endParaRPr lang="da-DK"/>
           </a:p>
@@ -5932,7 +6926,7 @@
           <a:p>
             <a:fld id="{F6FEDE24-D50C-481B-A7B4-8AF13899101A}" type="slidenum">
               <a:rPr lang="da-DK" smtClean="0"/>
-              <a:t>7</a:t>
+              <a:t>8</a:t>
             </a:fld>
             <a:endParaRPr lang="da-DK"/>
           </a:p>
@@ -5986,7 +6980,7 @@
 </p:sld>
 </file>
 
-<file path=ppt/slides/slide8.xml><?xml version="1.0" encoding="utf-8"?>
+<file path=ppt/slides/slide9.xml><?xml version="1.0" encoding="utf-8"?>
 <p:sld xmlns:a="http://schemas.openxmlformats.org/drawingml/2006/main" xmlns:r="http://schemas.openxmlformats.org/officeDocument/2006/relationships" xmlns:p="http://schemas.openxmlformats.org/presentationml/2006/main">
   <p:cSld>
     <p:spTree>
@@ -6105,7 +7099,7 @@
           <a:p>
             <a:fld id="{019E29B9-5584-4737-9C98-1B926378C778}" type="datetime1">
               <a:rPr lang="en-US" smtClean="0"/>
-              <a:t>5/13/2021</a:t>
+              <a:t>5/19/2021</a:t>
             </a:fld>
             <a:endParaRPr lang="da-DK"/>
           </a:p>
@@ -6162,7 +7156,7 @@
           <a:p>
             <a:fld id="{F6FEDE24-D50C-481B-A7B4-8AF13899101A}" type="slidenum">
               <a:rPr lang="da-DK" smtClean="0"/>
-              <a:t>8</a:t>
+              <a:t>9</a:t>
             </a:fld>
             <a:endParaRPr lang="da-DK"/>
           </a:p>
@@ -6207,220 +7201,6 @@
     <p:extLst>
       <p:ext uri="{BB962C8B-B14F-4D97-AF65-F5344CB8AC3E}">
         <p14:creationId xmlns:p14="http://schemas.microsoft.com/office/powerpoint/2010/main" val="359486999"/>
-      </p:ext>
-    </p:extLst>
-  </p:cSld>
-  <p:clrMapOvr>
-    <a:masterClrMapping/>
-  </p:clrMapOvr>
-</p:sld>
-</file>
-
-<file path=ppt/slides/slide9.xml><?xml version="1.0" encoding="utf-8"?>
-<p:sld xmlns:a="http://schemas.openxmlformats.org/drawingml/2006/main" xmlns:r="http://schemas.openxmlformats.org/officeDocument/2006/relationships" xmlns:p="http://schemas.openxmlformats.org/presentationml/2006/main">
-  <p:cSld>
-    <p:spTree>
-      <p:nvGrpSpPr>
-        <p:cNvPr id="1" name=""/>
-        <p:cNvGrpSpPr/>
-        <p:nvPr/>
-      </p:nvGrpSpPr>
-      <p:grpSpPr>
-        <a:xfrm>
-          <a:off x="0" y="0"/>
-          <a:ext cx="0" cy="0"/>
-          <a:chOff x="0" y="0"/>
-          <a:chExt cx="0" cy="0"/>
-        </a:xfrm>
-      </p:grpSpPr>
-      <p:sp>
-        <p:nvSpPr>
-          <p:cNvPr id="2" name="Title 1">
-            <a:extLst>
-              <a:ext uri="{FF2B5EF4-FFF2-40B4-BE49-F238E27FC236}">
-                <a16:creationId xmlns:a16="http://schemas.microsoft.com/office/drawing/2014/main" id="{30E322A3-B698-492C-A2CB-061CD72D2025}"/>
-              </a:ext>
-            </a:extLst>
-          </p:cNvPr>
-          <p:cNvSpPr>
-            <a:spLocks noGrp="1"/>
-          </p:cNvSpPr>
-          <p:nvPr>
-            <p:ph type="title"/>
-          </p:nvPr>
-        </p:nvSpPr>
-        <p:spPr/>
-        <p:txBody>
-          <a:bodyPr/>
-          <a:lstStyle/>
-          <a:p>
-            <a:r>
-              <a:rPr lang="da-DK" dirty="0"/>
-              <a:t>MLOps at a high level</a:t>
-            </a:r>
-          </a:p>
-        </p:txBody>
-      </p:sp>
-      <p:sp>
-        <p:nvSpPr>
-          <p:cNvPr id="3" name="Content Placeholder 2">
-            <a:extLst>
-              <a:ext uri="{FF2B5EF4-FFF2-40B4-BE49-F238E27FC236}">
-                <a16:creationId xmlns:a16="http://schemas.microsoft.com/office/drawing/2014/main" id="{427EC525-70A3-4250-A9B6-F40FD34294DD}"/>
-              </a:ext>
-            </a:extLst>
-          </p:cNvPr>
-          <p:cNvSpPr>
-            <a:spLocks noGrp="1"/>
-          </p:cNvSpPr>
-          <p:nvPr>
-            <p:ph idx="1"/>
-          </p:nvPr>
-        </p:nvSpPr>
-        <p:spPr/>
-        <p:txBody>
-          <a:bodyPr/>
-          <a:lstStyle/>
-          <a:p>
-            <a:r>
-              <a:rPr lang="da-DK" dirty="0"/>
-              <a:t>Optimizing workflows</a:t>
-            </a:r>
-          </a:p>
-          <a:p>
-            <a:pPr lvl="1"/>
-            <a:r>
-              <a:rPr lang="da-DK" dirty="0"/>
-              <a:t>Getting organised cost time initially but will save you time down the line</a:t>
-            </a:r>
-          </a:p>
-          <a:p>
-            <a:endParaRPr lang="da-DK" dirty="0"/>
-          </a:p>
-          <a:p>
-            <a:r>
-              <a:rPr lang="da-DK" dirty="0"/>
-              <a:t>Reuseability</a:t>
-            </a:r>
-          </a:p>
-          <a:p>
-            <a:pPr lvl="1"/>
-            <a:r>
-              <a:rPr lang="da-DK" dirty="0"/>
-              <a:t>Why rewrite the same code for a new project if you can reuse</a:t>
-            </a:r>
-          </a:p>
-          <a:p>
-            <a:pPr marL="457200" lvl="1" indent="0">
-              <a:buNone/>
-            </a:pPr>
-            <a:endParaRPr lang="da-DK" dirty="0"/>
-          </a:p>
-          <a:p>
-            <a:r>
-              <a:rPr lang="da-DK" dirty="0"/>
-              <a:t>Reproduceability</a:t>
-            </a:r>
-          </a:p>
-          <a:p>
-            <a:pPr lvl="1"/>
-            <a:r>
-              <a:rPr lang="da-DK" dirty="0"/>
-              <a:t>Make sure that your results can be redon by others</a:t>
-            </a:r>
-          </a:p>
-        </p:txBody>
-      </p:sp>
-      <p:sp>
-        <p:nvSpPr>
-          <p:cNvPr id="4" name="Date Placeholder 3">
-            <a:extLst>
-              <a:ext uri="{FF2B5EF4-FFF2-40B4-BE49-F238E27FC236}">
-                <a16:creationId xmlns:a16="http://schemas.microsoft.com/office/drawing/2014/main" id="{F054A0FA-89FE-4349-A73D-ACD6702A121B}"/>
-              </a:ext>
-            </a:extLst>
-          </p:cNvPr>
-          <p:cNvSpPr>
-            <a:spLocks noGrp="1"/>
-          </p:cNvSpPr>
-          <p:nvPr>
-            <p:ph type="dt" sz="half" idx="10"/>
-          </p:nvPr>
-        </p:nvSpPr>
-        <p:spPr/>
-        <p:txBody>
-          <a:bodyPr/>
-          <a:lstStyle/>
-          <a:p>
-            <a:fld id="{019E29B9-5584-4737-9C98-1B926378C778}" type="datetime1">
-              <a:rPr lang="en-US" smtClean="0"/>
-              <a:t>5/13/2021</a:t>
-            </a:fld>
-            <a:endParaRPr lang="da-DK"/>
-          </a:p>
-        </p:txBody>
-      </p:sp>
-      <p:sp>
-        <p:nvSpPr>
-          <p:cNvPr id="5" name="Footer Placeholder 4">
-            <a:extLst>
-              <a:ext uri="{FF2B5EF4-FFF2-40B4-BE49-F238E27FC236}">
-                <a16:creationId xmlns:a16="http://schemas.microsoft.com/office/drawing/2014/main" id="{B9722F9A-B501-456A-95EC-ECEDBD6BB2BB}"/>
-              </a:ext>
-            </a:extLst>
-          </p:cNvPr>
-          <p:cNvSpPr>
-            <a:spLocks noGrp="1"/>
-          </p:cNvSpPr>
-          <p:nvPr>
-            <p:ph type="ftr" sz="quarter" idx="11"/>
-          </p:nvPr>
-        </p:nvSpPr>
-        <p:spPr/>
-        <p:txBody>
-          <a:bodyPr/>
-          <a:lstStyle/>
-          <a:p>
-            <a:r>
-              <a:rPr lang="da-DK"/>
-              <a:t>Nicki Skafte Detlefsen</a:t>
-            </a:r>
-          </a:p>
-        </p:txBody>
-      </p:sp>
-      <p:sp>
-        <p:nvSpPr>
-          <p:cNvPr id="6" name="Slide Number Placeholder 5">
-            <a:extLst>
-              <a:ext uri="{FF2B5EF4-FFF2-40B4-BE49-F238E27FC236}">
-                <a16:creationId xmlns:a16="http://schemas.microsoft.com/office/drawing/2014/main" id="{E8C2AD3F-E991-4A52-B2D8-1BC7F6C6DF59}"/>
-              </a:ext>
-            </a:extLst>
-          </p:cNvPr>
-          <p:cNvSpPr>
-            <a:spLocks noGrp="1"/>
-          </p:cNvSpPr>
-          <p:nvPr>
-            <p:ph type="sldNum" sz="quarter" idx="12"/>
-          </p:nvPr>
-        </p:nvSpPr>
-        <p:spPr/>
-        <p:txBody>
-          <a:bodyPr/>
-          <a:lstStyle/>
-          <a:p>
-            <a:fld id="{F6FEDE24-D50C-481B-A7B4-8AF13899101A}" type="slidenum">
-              <a:rPr lang="da-DK" smtClean="0"/>
-              <a:t>9</a:t>
-            </a:fld>
-            <a:endParaRPr lang="da-DK"/>
-          </a:p>
-        </p:txBody>
-      </p:sp>
-    </p:spTree>
-    <p:extLst>
-      <p:ext uri="{BB962C8B-B14F-4D97-AF65-F5344CB8AC3E}">
-        <p14:creationId xmlns:p14="http://schemas.microsoft.com/office/powerpoint/2010/main" val="308534081"/>
       </p:ext>
     </p:extLst>
   </p:cSld>

--- a/02_code_organisation/MLOps.pptx
+++ b/02_code_organisation/MLOps.pptx
@@ -227,7 +227,7 @@
           <a:p>
             <a:fld id="{D75CAE95-D2DD-4998-876A-092BFD628C65}" type="datetimeFigureOut">
               <a:rPr lang="da-DK" smtClean="0"/>
-              <a:t>19-05-2021</a:t>
+              <a:t>21-05-2021</a:t>
             </a:fld>
             <a:endParaRPr lang="da-DK"/>
           </a:p>
@@ -405,7 +405,7 @@
           <a:p>
             <a:fld id="{1DA8E099-58AA-4136-B409-1CAD1943D842}" type="datetimeFigureOut">
               <a:rPr lang="da-DK" smtClean="0"/>
-              <a:t>19-05-2021</a:t>
+              <a:t>21-05-2021</a:t>
             </a:fld>
             <a:endParaRPr lang="da-DK"/>
           </a:p>
@@ -823,7 +823,7 @@
           <a:p>
             <a:fld id="{C85334AD-9960-4065-BF34-86ED0345A76D}" type="datetime1">
               <a:rPr lang="en-US" smtClean="0"/>
-              <a:t>5/19/2021</a:t>
+              <a:t>5/21/2021</a:t>
             </a:fld>
             <a:endParaRPr lang="da-DK"/>
           </a:p>
@@ -1062,7 +1062,7 @@
           <a:p>
             <a:fld id="{C5669758-3775-48D7-A841-693E908C3BF4}" type="datetime1">
               <a:rPr lang="en-US" smtClean="0"/>
-              <a:t>5/19/2021</a:t>
+              <a:t>5/21/2021</a:t>
             </a:fld>
             <a:endParaRPr lang="da-DK"/>
           </a:p>
@@ -1275,7 +1275,7 @@
           <a:p>
             <a:fld id="{1E0C3FF1-EDBD-4F2A-8366-34A4E3728310}" type="datetime1">
               <a:rPr lang="en-US" smtClean="0"/>
-              <a:t>5/19/2021</a:t>
+              <a:t>5/21/2021</a:t>
             </a:fld>
             <a:endParaRPr lang="da-DK"/>
           </a:p>
@@ -1496,7 +1496,7 @@
           <a:p>
             <a:fld id="{019E29B9-5584-4737-9C98-1B926378C778}" type="datetime1">
               <a:rPr lang="en-US" smtClean="0"/>
-              <a:t>5/19/2021</a:t>
+              <a:t>5/21/2021</a:t>
             </a:fld>
             <a:endParaRPr lang="da-DK"/>
           </a:p>
@@ -1811,7 +1811,7 @@
           <a:p>
             <a:fld id="{FCE38F03-F67D-4508-A858-99FCD085087C}" type="datetime1">
               <a:rPr lang="en-US" smtClean="0"/>
-              <a:t>5/19/2021</a:t>
+              <a:t>5/21/2021</a:t>
             </a:fld>
             <a:endParaRPr lang="da-DK"/>
           </a:p>
@@ -2082,7 +2082,7 @@
           <a:p>
             <a:fld id="{B43F2930-3FFD-4F93-A4BD-4F0D1A0B4514}" type="datetime1">
               <a:rPr lang="en-US" smtClean="0"/>
-              <a:t>5/19/2021</a:t>
+              <a:t>5/21/2021</a:t>
             </a:fld>
             <a:endParaRPr lang="da-DK"/>
           </a:p>
@@ -2500,7 +2500,7 @@
           <a:p>
             <a:fld id="{8E0F9B9B-30CC-4693-8E0F-1A94A979E2C5}" type="datetime1">
               <a:rPr lang="en-US" smtClean="0"/>
-              <a:t>5/19/2021</a:t>
+              <a:t>5/21/2021</a:t>
             </a:fld>
             <a:endParaRPr lang="da-DK"/>
           </a:p>
@@ -2645,7 +2645,7 @@
           <a:p>
             <a:fld id="{6FE1433B-E6A7-44FF-8B55-539471B4D7C5}" type="datetime1">
               <a:rPr lang="en-US" smtClean="0"/>
-              <a:t>5/19/2021</a:t>
+              <a:t>5/21/2021</a:t>
             </a:fld>
             <a:endParaRPr lang="da-DK"/>
           </a:p>
@@ -2761,7 +2761,7 @@
           <a:p>
             <a:fld id="{624F4001-6A8C-42DA-824F-B5CC1375B861}" type="datetime1">
               <a:rPr lang="en-US" smtClean="0"/>
-              <a:t>5/19/2021</a:t>
+              <a:t>5/21/2021</a:t>
             </a:fld>
             <a:endParaRPr lang="da-DK"/>
           </a:p>
@@ -3077,7 +3077,7 @@
           <a:p>
             <a:fld id="{2D3BE137-2C5E-4078-8BA2-7D42D7E67218}" type="datetime1">
               <a:rPr lang="en-US" smtClean="0"/>
-              <a:t>5/19/2021</a:t>
+              <a:t>5/21/2021</a:t>
             </a:fld>
             <a:endParaRPr lang="da-DK"/>
           </a:p>
@@ -3369,7 +3369,7 @@
           <a:p>
             <a:fld id="{0D1436FF-56D3-4E93-92E8-71121EAB120E}" type="datetime1">
               <a:rPr lang="en-US" smtClean="0"/>
-              <a:t>5/19/2021</a:t>
+              <a:t>5/21/2021</a:t>
             </a:fld>
             <a:endParaRPr lang="da-DK"/>
           </a:p>
@@ -3615,7 +3615,7 @@
           <a:p>
             <a:fld id="{16601EF2-4BCA-4009-ACCF-B97F259DEF6F}" type="datetime1">
               <a:rPr lang="en-US" smtClean="0"/>
-              <a:t>5/19/2021</a:t>
+              <a:t>5/21/2021</a:t>
             </a:fld>
             <a:endParaRPr lang="da-DK"/>
           </a:p>
@@ -4251,7 +4251,7 @@
           <a:p>
             <a:fld id="{019E29B9-5584-4737-9C98-1B926378C778}" type="datetime1">
               <a:rPr lang="en-US" smtClean="0"/>
-              <a:t>5/19/2021</a:t>
+              <a:t>5/21/2021</a:t>
             </a:fld>
             <a:endParaRPr lang="da-DK"/>
           </a:p>
@@ -4515,7 +4515,7 @@
           <a:p>
             <a:fld id="{019E29B9-5584-4737-9C98-1B926378C778}" type="datetime1">
               <a:rPr lang="en-US" smtClean="0"/>
-              <a:t>5/19/2021</a:t>
+              <a:t>5/21/2021</a:t>
             </a:fld>
             <a:endParaRPr lang="da-DK"/>
           </a:p>
@@ -4771,53 +4771,122 @@
         </p:nvSpPr>
         <p:spPr/>
         <p:txBody>
-          <a:bodyPr/>
-          <a:lstStyle/>
-          <a:p>
-            <a:r>
-              <a:rPr lang="da-DK" dirty="0"/>
+          <a:bodyPr>
+            <a:normAutofit fontScale="92500" lnSpcReduction="20000"/>
+          </a:bodyPr>
+          <a:lstStyle/>
+          <a:p>
+            <a:pPr marL="514350" indent="-514350">
+              <a:buFont typeface="+mj-lt"/>
+              <a:buAutoNum type="arabicPeriod"/>
+            </a:pPr>
+            <a:r>
+              <a:rPr lang="en-US" dirty="0"/>
               <a:t>Optimizing workflows</a:t>
             </a:r>
           </a:p>
           <a:p>
             <a:pPr lvl="1"/>
             <a:r>
-              <a:rPr lang="da-DK" dirty="0"/>
-              <a:t>Getting organised cost time initially but will save you time down the line</a:t>
-            </a:r>
-          </a:p>
-          <a:p>
-            <a:endParaRPr lang="da-DK" dirty="0"/>
-          </a:p>
-          <a:p>
-            <a:r>
-              <a:rPr lang="da-DK" dirty="0"/>
-              <a:t>Reuseability</a:t>
+              <a:rPr lang="en-US" dirty="0"/>
+              <a:t>Getting organized cost time initially but will save you time down the line</a:t>
+            </a:r>
+          </a:p>
+          <a:p>
+            <a:pPr marL="514350" indent="-514350">
+              <a:buFont typeface="+mj-lt"/>
+              <a:buAutoNum type="arabicPeriod"/>
+            </a:pPr>
+            <a:endParaRPr lang="en-US" dirty="0"/>
+          </a:p>
+          <a:p>
+            <a:pPr marL="514350" indent="-514350">
+              <a:buFont typeface="+mj-lt"/>
+              <a:buAutoNum type="arabicPeriod"/>
+            </a:pPr>
+            <a:r>
+              <a:rPr lang="en-US" dirty="0"/>
+              <a:t>Versioning</a:t>
             </a:r>
           </a:p>
           <a:p>
             <a:pPr lvl="1"/>
             <a:r>
-              <a:rPr lang="da-DK" dirty="0"/>
+              <a:rPr lang="en-US" dirty="0"/>
+              <a:t>Keep track of code changes, trained models etc. so everything can be backtracked</a:t>
+            </a:r>
+          </a:p>
+          <a:p>
+            <a:pPr lvl="1"/>
+            <a:endParaRPr lang="en-US" dirty="0"/>
+          </a:p>
+          <a:p>
+            <a:pPr marL="514350" indent="-514350">
+              <a:buFont typeface="+mj-lt"/>
+              <a:buAutoNum type="arabicPeriod"/>
+            </a:pPr>
+            <a:r>
+              <a:rPr lang="en-US" dirty="0"/>
+              <a:t>Automatization and Continuous X</a:t>
+            </a:r>
+          </a:p>
+          <a:p>
+            <a:pPr lvl="1"/>
+            <a:r>
+              <a:rPr lang="en-US" dirty="0"/>
+              <a:t>Make sure that new changes automatically gets tested</a:t>
+            </a:r>
+            <a:r>
+              <a:rPr lang="en-US"/>
+              <a:t>, deployed etc.</a:t>
+            </a:r>
+            <a:endParaRPr lang="en-US" dirty="0"/>
+          </a:p>
+          <a:p>
+            <a:pPr marL="914400" lvl="1" indent="-457200">
+              <a:buFont typeface="+mj-lt"/>
+              <a:buAutoNum type="arabicPeriod"/>
+            </a:pPr>
+            <a:endParaRPr lang="en-US" dirty="0"/>
+          </a:p>
+          <a:p>
+            <a:pPr marL="514350" indent="-514350">
+              <a:buFont typeface="+mj-lt"/>
+              <a:buAutoNum type="arabicPeriod"/>
+            </a:pPr>
+            <a:r>
+              <a:rPr lang="en-US" dirty="0"/>
+              <a:t>Reusability</a:t>
+            </a:r>
+          </a:p>
+          <a:p>
+            <a:pPr lvl="1"/>
+            <a:r>
+              <a:rPr lang="en-US" dirty="0"/>
               <a:t>Why rewrite the same code for a new project if you can reuse</a:t>
             </a:r>
           </a:p>
           <a:p>
-            <a:pPr marL="457200" lvl="1" indent="0">
-              <a:buNone/>
+            <a:pPr marL="914400" lvl="1" indent="-457200">
+              <a:buFont typeface="+mj-lt"/>
+              <a:buAutoNum type="arabicPeriod"/>
             </a:pPr>
-            <a:endParaRPr lang="da-DK" dirty="0"/>
-          </a:p>
-          <a:p>
-            <a:r>
-              <a:rPr lang="da-DK" dirty="0"/>
-              <a:t>Reproduceability</a:t>
+            <a:endParaRPr lang="en-US" dirty="0"/>
+          </a:p>
+          <a:p>
+            <a:pPr marL="514350" indent="-514350">
+              <a:buFont typeface="+mj-lt"/>
+              <a:buAutoNum type="arabicPeriod"/>
+            </a:pPr>
+            <a:r>
+              <a:rPr lang="en-US" dirty="0"/>
+              <a:t>Reproducibility</a:t>
             </a:r>
           </a:p>
           <a:p>
             <a:pPr lvl="1"/>
             <a:r>
-              <a:rPr lang="da-DK" dirty="0"/>
+              <a:rPr lang="en-US" dirty="0"/>
               <a:t>Make sure that your results can be redon by others</a:t>
             </a:r>
           </a:p>
@@ -4846,7 +4915,7 @@
           <a:p>
             <a:fld id="{019E29B9-5584-4737-9C98-1B926378C778}" type="datetime1">
               <a:rPr lang="en-US" smtClean="0"/>
-              <a:t>5/19/2021</a:t>
+              <a:t>5/21/2021</a:t>
             </a:fld>
             <a:endParaRPr lang="da-DK"/>
           </a:p>
@@ -5063,7 +5132,7 @@
           <a:p>
             <a:fld id="{019E29B9-5584-4737-9C98-1B926378C778}" type="datetime1">
               <a:rPr lang="en-US" smtClean="0"/>
-              <a:t>5/19/2021</a:t>
+              <a:t>5/21/2021</a:t>
             </a:fld>
             <a:endParaRPr lang="da-DK"/>
           </a:p>
@@ -5310,7 +5379,7 @@
           <a:p>
             <a:fld id="{019E29B9-5584-4737-9C98-1B926378C778}" type="datetime1">
               <a:rPr lang="en-US" smtClean="0"/>
-              <a:t>5/19/2021</a:t>
+              <a:t>5/21/2021</a:t>
             </a:fld>
             <a:endParaRPr lang="da-DK"/>
           </a:p>
@@ -5521,7 +5590,7 @@
           <a:p>
             <a:fld id="{019E29B9-5584-4737-9C98-1B926378C778}" type="datetime1">
               <a:rPr lang="en-US" smtClean="0"/>
-              <a:t>5/19/2021</a:t>
+              <a:t>5/21/2021</a:t>
             </a:fld>
             <a:endParaRPr lang="da-DK"/>
           </a:p>
@@ -5954,7 +6023,7 @@
           <a:p>
             <a:fld id="{019E29B9-5584-4737-9C98-1B926378C778}" type="datetime1">
               <a:rPr lang="en-US" smtClean="0"/>
-              <a:t>5/19/2021</a:t>
+              <a:t>5/21/2021</a:t>
             </a:fld>
             <a:endParaRPr lang="da-DK"/>
           </a:p>
@@ -6179,7 +6248,7 @@
           <a:p>
             <a:fld id="{019E29B9-5584-4737-9C98-1B926378C778}" type="datetime1">
               <a:rPr lang="en-US" smtClean="0"/>
-              <a:t>5/19/2021</a:t>
+              <a:t>5/21/2021</a:t>
             </a:fld>
             <a:endParaRPr lang="da-DK"/>
           </a:p>
@@ -6386,7 +6455,7 @@
           <a:p>
             <a:fld id="{019E29B9-5584-4737-9C98-1B926378C778}" type="datetime1">
               <a:rPr lang="en-US" smtClean="0"/>
-              <a:t>5/19/2021</a:t>
+              <a:t>5/21/2021</a:t>
             </a:fld>
             <a:endParaRPr lang="da-DK"/>
           </a:p>
@@ -6616,7 +6685,7 @@
           <a:p>
             <a:fld id="{019E29B9-5584-4737-9C98-1B926378C778}" type="datetime1">
               <a:rPr lang="en-US" smtClean="0"/>
-              <a:t>5/19/2021</a:t>
+              <a:t>5/21/2021</a:t>
             </a:fld>
             <a:endParaRPr lang="da-DK"/>
           </a:p>
@@ -6869,7 +6938,7 @@
           <a:p>
             <a:fld id="{019E29B9-5584-4737-9C98-1B926378C778}" type="datetime1">
               <a:rPr lang="en-US" smtClean="0"/>
-              <a:t>5/19/2021</a:t>
+              <a:t>5/21/2021</a:t>
             </a:fld>
             <a:endParaRPr lang="da-DK"/>
           </a:p>
@@ -7099,7 +7168,7 @@
           <a:p>
             <a:fld id="{019E29B9-5584-4737-9C98-1B926378C778}" type="datetime1">
               <a:rPr lang="en-US" smtClean="0"/>
-              <a:t>5/19/2021</a:t>
+              <a:t>5/21/2021</a:t>
             </a:fld>
             <a:endParaRPr lang="da-DK"/>
           </a:p>

--- a/02_code_organisation/MLOps.pptx
+++ b/02_code_organisation/MLOps.pptx
@@ -5,10 +5,10 @@
     <p:sldMasterId id="2147483648" r:id="rId1"/>
   </p:sldMasterIdLst>
   <p:notesMasterIdLst>
-    <p:notesMasterId r:id="rId15"/>
+    <p:notesMasterId r:id="rId16"/>
   </p:notesMasterIdLst>
   <p:handoutMasterIdLst>
-    <p:handoutMasterId r:id="rId16"/>
+    <p:handoutMasterId r:id="rId17"/>
   </p:handoutMasterIdLst>
   <p:sldIdLst>
     <p:sldId id="256" r:id="rId2"/>
@@ -24,6 +24,7 @@
     <p:sldId id="268" r:id="rId12"/>
     <p:sldId id="261" r:id="rId13"/>
     <p:sldId id="262" r:id="rId14"/>
+    <p:sldId id="269" r:id="rId15"/>
   </p:sldIdLst>
   <p:sldSz cx="12192000" cy="6858000"/>
   <p:notesSz cx="6858000" cy="9144000"/>
@@ -227,7 +228,7 @@
           <a:p>
             <a:fld id="{D75CAE95-D2DD-4998-876A-092BFD628C65}" type="datetimeFigureOut">
               <a:rPr lang="da-DK" smtClean="0"/>
-              <a:t>21-05-2021</a:t>
+              <a:t>28-05-2021</a:t>
             </a:fld>
             <a:endParaRPr lang="da-DK"/>
           </a:p>
@@ -405,7 +406,7 @@
           <a:p>
             <a:fld id="{1DA8E099-58AA-4136-B409-1CAD1943D842}" type="datetimeFigureOut">
               <a:rPr lang="da-DK" smtClean="0"/>
-              <a:t>21-05-2021</a:t>
+              <a:t>28-05-2021</a:t>
             </a:fld>
             <a:endParaRPr lang="da-DK"/>
           </a:p>
@@ -823,7 +824,7 @@
           <a:p>
             <a:fld id="{C85334AD-9960-4065-BF34-86ED0345A76D}" type="datetime1">
               <a:rPr lang="en-US" smtClean="0"/>
-              <a:t>5/21/2021</a:t>
+              <a:t>5/28/2021</a:t>
             </a:fld>
             <a:endParaRPr lang="da-DK"/>
           </a:p>
@@ -1062,7 +1063,7 @@
           <a:p>
             <a:fld id="{C5669758-3775-48D7-A841-693E908C3BF4}" type="datetime1">
               <a:rPr lang="en-US" smtClean="0"/>
-              <a:t>5/21/2021</a:t>
+              <a:t>5/28/2021</a:t>
             </a:fld>
             <a:endParaRPr lang="da-DK"/>
           </a:p>
@@ -1275,7 +1276,7 @@
           <a:p>
             <a:fld id="{1E0C3FF1-EDBD-4F2A-8366-34A4E3728310}" type="datetime1">
               <a:rPr lang="en-US" smtClean="0"/>
-              <a:t>5/21/2021</a:t>
+              <a:t>5/28/2021</a:t>
             </a:fld>
             <a:endParaRPr lang="da-DK"/>
           </a:p>
@@ -1496,7 +1497,7 @@
           <a:p>
             <a:fld id="{019E29B9-5584-4737-9C98-1B926378C778}" type="datetime1">
               <a:rPr lang="en-US" smtClean="0"/>
-              <a:t>5/21/2021</a:t>
+              <a:t>5/28/2021</a:t>
             </a:fld>
             <a:endParaRPr lang="da-DK"/>
           </a:p>
@@ -1811,7 +1812,7 @@
           <a:p>
             <a:fld id="{FCE38F03-F67D-4508-A858-99FCD085087C}" type="datetime1">
               <a:rPr lang="en-US" smtClean="0"/>
-              <a:t>5/21/2021</a:t>
+              <a:t>5/28/2021</a:t>
             </a:fld>
             <a:endParaRPr lang="da-DK"/>
           </a:p>
@@ -2082,7 +2083,7 @@
           <a:p>
             <a:fld id="{B43F2930-3FFD-4F93-A4BD-4F0D1A0B4514}" type="datetime1">
               <a:rPr lang="en-US" smtClean="0"/>
-              <a:t>5/21/2021</a:t>
+              <a:t>5/28/2021</a:t>
             </a:fld>
             <a:endParaRPr lang="da-DK"/>
           </a:p>
@@ -2500,7 +2501,7 @@
           <a:p>
             <a:fld id="{8E0F9B9B-30CC-4693-8E0F-1A94A979E2C5}" type="datetime1">
               <a:rPr lang="en-US" smtClean="0"/>
-              <a:t>5/21/2021</a:t>
+              <a:t>5/28/2021</a:t>
             </a:fld>
             <a:endParaRPr lang="da-DK"/>
           </a:p>
@@ -2645,7 +2646,7 @@
           <a:p>
             <a:fld id="{6FE1433B-E6A7-44FF-8B55-539471B4D7C5}" type="datetime1">
               <a:rPr lang="en-US" smtClean="0"/>
-              <a:t>5/21/2021</a:t>
+              <a:t>5/28/2021</a:t>
             </a:fld>
             <a:endParaRPr lang="da-DK"/>
           </a:p>
@@ -2761,7 +2762,7 @@
           <a:p>
             <a:fld id="{624F4001-6A8C-42DA-824F-B5CC1375B861}" type="datetime1">
               <a:rPr lang="en-US" smtClean="0"/>
-              <a:t>5/21/2021</a:t>
+              <a:t>5/28/2021</a:t>
             </a:fld>
             <a:endParaRPr lang="da-DK"/>
           </a:p>
@@ -3077,7 +3078,7 @@
           <a:p>
             <a:fld id="{2D3BE137-2C5E-4078-8BA2-7D42D7E67218}" type="datetime1">
               <a:rPr lang="en-US" smtClean="0"/>
-              <a:t>5/21/2021</a:t>
+              <a:t>5/28/2021</a:t>
             </a:fld>
             <a:endParaRPr lang="da-DK"/>
           </a:p>
@@ -3369,7 +3370,7 @@
           <a:p>
             <a:fld id="{0D1436FF-56D3-4E93-92E8-71121EAB120E}" type="datetime1">
               <a:rPr lang="en-US" smtClean="0"/>
-              <a:t>5/21/2021</a:t>
+              <a:t>5/28/2021</a:t>
             </a:fld>
             <a:endParaRPr lang="da-DK"/>
           </a:p>
@@ -3615,7 +3616,7 @@
           <a:p>
             <a:fld id="{16601EF2-4BCA-4009-ACCF-B97F259DEF6F}" type="datetime1">
               <a:rPr lang="en-US" smtClean="0"/>
-              <a:t>5/21/2021</a:t>
+              <a:t>5/28/2021</a:t>
             </a:fld>
             <a:endParaRPr lang="da-DK"/>
           </a:p>
@@ -4251,7 +4252,7 @@
           <a:p>
             <a:fld id="{019E29B9-5584-4737-9C98-1B926378C778}" type="datetime1">
               <a:rPr lang="en-US" smtClean="0"/>
-              <a:t>5/21/2021</a:t>
+              <a:t>5/28/2021</a:t>
             </a:fld>
             <a:endParaRPr lang="da-DK"/>
           </a:p>
@@ -4515,7 +4516,7 @@
           <a:p>
             <a:fld id="{019E29B9-5584-4737-9C98-1B926378C778}" type="datetime1">
               <a:rPr lang="en-US" smtClean="0"/>
-              <a:t>5/21/2021</a:t>
+              <a:t>5/28/2021</a:t>
             </a:fld>
             <a:endParaRPr lang="da-DK"/>
           </a:p>
@@ -4915,7 +4916,7 @@
           <a:p>
             <a:fld id="{019E29B9-5584-4737-9C98-1B926378C778}" type="datetime1">
               <a:rPr lang="en-US" smtClean="0"/>
-              <a:t>5/21/2021</a:t>
+              <a:t>5/28/2021</a:t>
             </a:fld>
             <a:endParaRPr lang="da-DK"/>
           </a:p>
@@ -5132,7 +5133,7 @@
           <a:p>
             <a:fld id="{019E29B9-5584-4737-9C98-1B926378C778}" type="datetime1">
               <a:rPr lang="en-US" smtClean="0"/>
-              <a:t>5/21/2021</a:t>
+              <a:t>5/28/2021</a:t>
             </a:fld>
             <a:endParaRPr lang="da-DK"/>
           </a:p>
@@ -5199,6 +5200,185 @@
     <p:extLst>
       <p:ext uri="{BB962C8B-B14F-4D97-AF65-F5344CB8AC3E}">
         <p14:creationId xmlns:p14="http://schemas.microsoft.com/office/powerpoint/2010/main" val="3149619811"/>
+      </p:ext>
+    </p:extLst>
+  </p:cSld>
+  <p:clrMapOvr>
+    <a:masterClrMapping/>
+  </p:clrMapOvr>
+</p:sld>
+</file>
+
+<file path=ppt/slides/slide14.xml><?xml version="1.0" encoding="utf-8"?>
+<p:sld xmlns:a="http://schemas.openxmlformats.org/drawingml/2006/main" xmlns:r="http://schemas.openxmlformats.org/officeDocument/2006/relationships" xmlns:p="http://schemas.openxmlformats.org/presentationml/2006/main">
+  <p:cSld>
+    <p:spTree>
+      <p:nvGrpSpPr>
+        <p:cNvPr id="1" name=""/>
+        <p:cNvGrpSpPr/>
+        <p:nvPr/>
+      </p:nvGrpSpPr>
+      <p:grpSpPr>
+        <a:xfrm>
+          <a:off x="0" y="0"/>
+          <a:ext cx="0" cy="0"/>
+          <a:chOff x="0" y="0"/>
+          <a:chExt cx="0" cy="0"/>
+        </a:xfrm>
+      </p:grpSpPr>
+      <p:sp>
+        <p:nvSpPr>
+          <p:cNvPr id="2" name="Title 1">
+            <a:extLst>
+              <a:ext uri="{FF2B5EF4-FFF2-40B4-BE49-F238E27FC236}">
+                <a16:creationId xmlns:a16="http://schemas.microsoft.com/office/drawing/2014/main" id="{DE191485-4BA9-4D5A-9A96-A13D3C8623FE}"/>
+              </a:ext>
+            </a:extLst>
+          </p:cNvPr>
+          <p:cNvSpPr>
+            <a:spLocks noGrp="1"/>
+          </p:cNvSpPr>
+          <p:nvPr>
+            <p:ph type="title"/>
+          </p:nvPr>
+        </p:nvSpPr>
+        <p:spPr/>
+        <p:txBody>
+          <a:bodyPr/>
+          <a:lstStyle/>
+          <a:p>
+            <a:r>
+              <a:rPr lang="da-DK" dirty="0"/>
+              <a:t>Meme of the day</a:t>
+            </a:r>
+          </a:p>
+        </p:txBody>
+      </p:sp>
+      <p:pic>
+        <p:nvPicPr>
+          <p:cNvPr id="8" name="Content Placeholder 7" descr="A picture containing map&#10;&#10;Description automatically generated">
+            <a:extLst>
+              <a:ext uri="{FF2B5EF4-FFF2-40B4-BE49-F238E27FC236}">
+                <a16:creationId xmlns:a16="http://schemas.microsoft.com/office/drawing/2014/main" id="{E65B93A1-D37E-4F9F-AC83-3D33B1869D34}"/>
+              </a:ext>
+            </a:extLst>
+          </p:cNvPr>
+          <p:cNvPicPr>
+            <a:picLocks noGrp="1" noChangeAspect="1"/>
+          </p:cNvPicPr>
+          <p:nvPr>
+            <p:ph idx="1"/>
+          </p:nvPr>
+        </p:nvPicPr>
+        <p:blipFill>
+          <a:blip r:embed="rId2">
+            <a:extLst>
+              <a:ext uri="{28A0092B-C50C-407E-A947-70E740481C1C}">
+                <a14:useLocalDpi xmlns:a14="http://schemas.microsoft.com/office/drawing/2010/main" val="0"/>
+              </a:ext>
+            </a:extLst>
+          </a:blip>
+          <a:stretch>
+            <a:fillRect/>
+          </a:stretch>
+        </p:blipFill>
+        <p:spPr>
+          <a:xfrm>
+            <a:off x="2563610" y="1396083"/>
+            <a:ext cx="7064779" cy="4526248"/>
+          </a:xfrm>
+        </p:spPr>
+      </p:pic>
+      <p:sp>
+        <p:nvSpPr>
+          <p:cNvPr id="4" name="Date Placeholder 3">
+            <a:extLst>
+              <a:ext uri="{FF2B5EF4-FFF2-40B4-BE49-F238E27FC236}">
+                <a16:creationId xmlns:a16="http://schemas.microsoft.com/office/drawing/2014/main" id="{9B575477-9F10-40FD-B088-2E24148A9C20}"/>
+              </a:ext>
+            </a:extLst>
+          </p:cNvPr>
+          <p:cNvSpPr>
+            <a:spLocks noGrp="1"/>
+          </p:cNvSpPr>
+          <p:nvPr>
+            <p:ph type="dt" sz="half" idx="10"/>
+          </p:nvPr>
+        </p:nvSpPr>
+        <p:spPr/>
+        <p:txBody>
+          <a:bodyPr/>
+          <a:lstStyle/>
+          <a:p>
+            <a:fld id="{019E29B9-5584-4737-9C98-1B926378C778}" type="datetime1">
+              <a:rPr lang="en-US" smtClean="0"/>
+              <a:t>5/28/2021</a:t>
+            </a:fld>
+            <a:endParaRPr lang="da-DK"/>
+          </a:p>
+        </p:txBody>
+      </p:sp>
+      <p:sp>
+        <p:nvSpPr>
+          <p:cNvPr id="5" name="Footer Placeholder 4">
+            <a:extLst>
+              <a:ext uri="{FF2B5EF4-FFF2-40B4-BE49-F238E27FC236}">
+                <a16:creationId xmlns:a16="http://schemas.microsoft.com/office/drawing/2014/main" id="{58A4149A-7219-4A21-82EE-554B365E0C0F}"/>
+              </a:ext>
+            </a:extLst>
+          </p:cNvPr>
+          <p:cNvSpPr>
+            <a:spLocks noGrp="1"/>
+          </p:cNvSpPr>
+          <p:nvPr>
+            <p:ph type="ftr" sz="quarter" idx="11"/>
+          </p:nvPr>
+        </p:nvSpPr>
+        <p:spPr/>
+        <p:txBody>
+          <a:bodyPr/>
+          <a:lstStyle/>
+          <a:p>
+            <a:r>
+              <a:rPr lang="da-DK"/>
+              <a:t>Nicki Skafte Detlefsen</a:t>
+            </a:r>
+          </a:p>
+        </p:txBody>
+      </p:sp>
+      <p:sp>
+        <p:nvSpPr>
+          <p:cNvPr id="6" name="Slide Number Placeholder 5">
+            <a:extLst>
+              <a:ext uri="{FF2B5EF4-FFF2-40B4-BE49-F238E27FC236}">
+                <a16:creationId xmlns:a16="http://schemas.microsoft.com/office/drawing/2014/main" id="{CFD83873-FFBE-4DA6-A2AB-517ECF8E2058}"/>
+              </a:ext>
+            </a:extLst>
+          </p:cNvPr>
+          <p:cNvSpPr>
+            <a:spLocks noGrp="1"/>
+          </p:cNvSpPr>
+          <p:nvPr>
+            <p:ph type="sldNum" sz="quarter" idx="12"/>
+          </p:nvPr>
+        </p:nvSpPr>
+        <p:spPr/>
+        <p:txBody>
+          <a:bodyPr/>
+          <a:lstStyle/>
+          <a:p>
+            <a:fld id="{F6FEDE24-D50C-481B-A7B4-8AF13899101A}" type="slidenum">
+              <a:rPr lang="da-DK" smtClean="0"/>
+              <a:t>14</a:t>
+            </a:fld>
+            <a:endParaRPr lang="da-DK"/>
+          </a:p>
+        </p:txBody>
+      </p:sp>
+    </p:spTree>
+    <p:extLst>
+      <p:ext uri="{BB962C8B-B14F-4D97-AF65-F5344CB8AC3E}">
+        <p14:creationId xmlns:p14="http://schemas.microsoft.com/office/powerpoint/2010/main" val="3766093583"/>
       </p:ext>
     </p:extLst>
   </p:cSld>
@@ -5379,7 +5559,7 @@
           <a:p>
             <a:fld id="{019E29B9-5584-4737-9C98-1B926378C778}" type="datetime1">
               <a:rPr lang="en-US" smtClean="0"/>
-              <a:t>5/21/2021</a:t>
+              <a:t>5/28/2021</a:t>
             </a:fld>
             <a:endParaRPr lang="da-DK"/>
           </a:p>
@@ -5590,7 +5770,7 @@
           <a:p>
             <a:fld id="{019E29B9-5584-4737-9C98-1B926378C778}" type="datetime1">
               <a:rPr lang="en-US" smtClean="0"/>
-              <a:t>5/21/2021</a:t>
+              <a:t>5/28/2021</a:t>
             </a:fld>
             <a:endParaRPr lang="da-DK"/>
           </a:p>
@@ -6023,7 +6203,7 @@
           <a:p>
             <a:fld id="{019E29B9-5584-4737-9C98-1B926378C778}" type="datetime1">
               <a:rPr lang="en-US" smtClean="0"/>
-              <a:t>5/21/2021</a:t>
+              <a:t>5/28/2021</a:t>
             </a:fld>
             <a:endParaRPr lang="da-DK"/>
           </a:p>
@@ -6248,7 +6428,7 @@
           <a:p>
             <a:fld id="{019E29B9-5584-4737-9C98-1B926378C778}" type="datetime1">
               <a:rPr lang="en-US" smtClean="0"/>
-              <a:t>5/21/2021</a:t>
+              <a:t>5/28/2021</a:t>
             </a:fld>
             <a:endParaRPr lang="da-DK"/>
           </a:p>
@@ -6455,7 +6635,7 @@
           <a:p>
             <a:fld id="{019E29B9-5584-4737-9C98-1B926378C778}" type="datetime1">
               <a:rPr lang="en-US" smtClean="0"/>
-              <a:t>5/21/2021</a:t>
+              <a:t>5/28/2021</a:t>
             </a:fld>
             <a:endParaRPr lang="da-DK"/>
           </a:p>
@@ -6685,7 +6865,7 @@
           <a:p>
             <a:fld id="{019E29B9-5584-4737-9C98-1B926378C778}" type="datetime1">
               <a:rPr lang="en-US" smtClean="0"/>
-              <a:t>5/21/2021</a:t>
+              <a:t>5/28/2021</a:t>
             </a:fld>
             <a:endParaRPr lang="da-DK"/>
           </a:p>
@@ -6938,7 +7118,7 @@
           <a:p>
             <a:fld id="{019E29B9-5584-4737-9C98-1B926378C778}" type="datetime1">
               <a:rPr lang="en-US" smtClean="0"/>
-              <a:t>5/21/2021</a:t>
+              <a:t>5/28/2021</a:t>
             </a:fld>
             <a:endParaRPr lang="da-DK"/>
           </a:p>
@@ -7168,7 +7348,7 @@
           <a:p>
             <a:fld id="{019E29B9-5584-4737-9C98-1B926378C778}" type="datetime1">
               <a:rPr lang="en-US" smtClean="0"/>
-              <a:t>5/21/2021</a:t>
+              <a:t>5/28/2021</a:t>
             </a:fld>
             <a:endParaRPr lang="da-DK"/>
           </a:p>

--- a/02_code_organisation/MLOps.pptx
+++ b/02_code_organisation/MLOps.pptx
@@ -228,7 +228,7 @@
           <a:p>
             <a:fld id="{D75CAE95-D2DD-4998-876A-092BFD628C65}" type="datetimeFigureOut">
               <a:rPr lang="da-DK" smtClean="0"/>
-              <a:t>28-05-2021</a:t>
+              <a:t>03-06-2021</a:t>
             </a:fld>
             <a:endParaRPr lang="da-DK"/>
           </a:p>
@@ -406,7 +406,7 @@
           <a:p>
             <a:fld id="{1DA8E099-58AA-4136-B409-1CAD1943D842}" type="datetimeFigureOut">
               <a:rPr lang="da-DK" smtClean="0"/>
-              <a:t>28-05-2021</a:t>
+              <a:t>03-06-2021</a:t>
             </a:fld>
             <a:endParaRPr lang="da-DK"/>
           </a:p>
@@ -824,7 +824,7 @@
           <a:p>
             <a:fld id="{C85334AD-9960-4065-BF34-86ED0345A76D}" type="datetime1">
               <a:rPr lang="en-US" smtClean="0"/>
-              <a:t>5/28/2021</a:t>
+              <a:t>6/3/2021</a:t>
             </a:fld>
             <a:endParaRPr lang="da-DK"/>
           </a:p>
@@ -1063,7 +1063,7 @@
           <a:p>
             <a:fld id="{C5669758-3775-48D7-A841-693E908C3BF4}" type="datetime1">
               <a:rPr lang="en-US" smtClean="0"/>
-              <a:t>5/28/2021</a:t>
+              <a:t>6/3/2021</a:t>
             </a:fld>
             <a:endParaRPr lang="da-DK"/>
           </a:p>
@@ -1276,7 +1276,7 @@
           <a:p>
             <a:fld id="{1E0C3FF1-EDBD-4F2A-8366-34A4E3728310}" type="datetime1">
               <a:rPr lang="en-US" smtClean="0"/>
-              <a:t>5/28/2021</a:t>
+              <a:t>6/3/2021</a:t>
             </a:fld>
             <a:endParaRPr lang="da-DK"/>
           </a:p>
@@ -1497,7 +1497,7 @@
           <a:p>
             <a:fld id="{019E29B9-5584-4737-9C98-1B926378C778}" type="datetime1">
               <a:rPr lang="en-US" smtClean="0"/>
-              <a:t>5/28/2021</a:t>
+              <a:t>6/3/2021</a:t>
             </a:fld>
             <a:endParaRPr lang="da-DK"/>
           </a:p>
@@ -1812,7 +1812,7 @@
           <a:p>
             <a:fld id="{FCE38F03-F67D-4508-A858-99FCD085087C}" type="datetime1">
               <a:rPr lang="en-US" smtClean="0"/>
-              <a:t>5/28/2021</a:t>
+              <a:t>6/3/2021</a:t>
             </a:fld>
             <a:endParaRPr lang="da-DK"/>
           </a:p>
@@ -2083,7 +2083,7 @@
           <a:p>
             <a:fld id="{B43F2930-3FFD-4F93-A4BD-4F0D1A0B4514}" type="datetime1">
               <a:rPr lang="en-US" smtClean="0"/>
-              <a:t>5/28/2021</a:t>
+              <a:t>6/3/2021</a:t>
             </a:fld>
             <a:endParaRPr lang="da-DK"/>
           </a:p>
@@ -2501,7 +2501,7 @@
           <a:p>
             <a:fld id="{8E0F9B9B-30CC-4693-8E0F-1A94A979E2C5}" type="datetime1">
               <a:rPr lang="en-US" smtClean="0"/>
-              <a:t>5/28/2021</a:t>
+              <a:t>6/3/2021</a:t>
             </a:fld>
             <a:endParaRPr lang="da-DK"/>
           </a:p>
@@ -2646,7 +2646,7 @@
           <a:p>
             <a:fld id="{6FE1433B-E6A7-44FF-8B55-539471B4D7C5}" type="datetime1">
               <a:rPr lang="en-US" smtClean="0"/>
-              <a:t>5/28/2021</a:t>
+              <a:t>6/3/2021</a:t>
             </a:fld>
             <a:endParaRPr lang="da-DK"/>
           </a:p>
@@ -2762,7 +2762,7 @@
           <a:p>
             <a:fld id="{624F4001-6A8C-42DA-824F-B5CC1375B861}" type="datetime1">
               <a:rPr lang="en-US" smtClean="0"/>
-              <a:t>5/28/2021</a:t>
+              <a:t>6/3/2021</a:t>
             </a:fld>
             <a:endParaRPr lang="da-DK"/>
           </a:p>
@@ -3078,7 +3078,7 @@
           <a:p>
             <a:fld id="{2D3BE137-2C5E-4078-8BA2-7D42D7E67218}" type="datetime1">
               <a:rPr lang="en-US" smtClean="0"/>
-              <a:t>5/28/2021</a:t>
+              <a:t>6/3/2021</a:t>
             </a:fld>
             <a:endParaRPr lang="da-DK"/>
           </a:p>
@@ -3370,7 +3370,7 @@
           <a:p>
             <a:fld id="{0D1436FF-56D3-4E93-92E8-71121EAB120E}" type="datetime1">
               <a:rPr lang="en-US" smtClean="0"/>
-              <a:t>5/28/2021</a:t>
+              <a:t>6/3/2021</a:t>
             </a:fld>
             <a:endParaRPr lang="da-DK"/>
           </a:p>
@@ -3616,7 +3616,7 @@
           <a:p>
             <a:fld id="{16601EF2-4BCA-4009-ACCF-B97F259DEF6F}" type="datetime1">
               <a:rPr lang="en-US" smtClean="0"/>
-              <a:t>5/28/2021</a:t>
+              <a:t>6/3/2021</a:t>
             </a:fld>
             <a:endParaRPr lang="da-DK"/>
           </a:p>
@@ -4107,7 +4107,7 @@
           <a:p>
             <a:r>
               <a:rPr lang="da-DK" dirty="0"/>
-              <a:t>02457 Machine Learning Operations</a:t>
+              <a:t>Machine Learning Operations</a:t>
             </a:r>
           </a:p>
           <a:p>
@@ -4252,7 +4252,7 @@
           <a:p>
             <a:fld id="{019E29B9-5584-4737-9C98-1B926378C778}" type="datetime1">
               <a:rPr lang="en-US" smtClean="0"/>
-              <a:t>5/28/2021</a:t>
+              <a:t>6/3/2021</a:t>
             </a:fld>
             <a:endParaRPr lang="da-DK"/>
           </a:p>
@@ -4516,7 +4516,7 @@
           <a:p>
             <a:fld id="{019E29B9-5584-4737-9C98-1B926378C778}" type="datetime1">
               <a:rPr lang="en-US" smtClean="0"/>
-              <a:t>5/28/2021</a:t>
+              <a:t>6/3/2021</a:t>
             </a:fld>
             <a:endParaRPr lang="da-DK"/>
           </a:p>
@@ -4916,7 +4916,7 @@
           <a:p>
             <a:fld id="{019E29B9-5584-4737-9C98-1B926378C778}" type="datetime1">
               <a:rPr lang="en-US" smtClean="0"/>
-              <a:t>5/28/2021</a:t>
+              <a:t>6/3/2021</a:t>
             </a:fld>
             <a:endParaRPr lang="da-DK"/>
           </a:p>
@@ -5133,7 +5133,7 @@
           <a:p>
             <a:fld id="{019E29B9-5584-4737-9C98-1B926378C778}" type="datetime1">
               <a:rPr lang="en-US" smtClean="0"/>
-              <a:t>5/28/2021</a:t>
+              <a:t>6/3/2021</a:t>
             </a:fld>
             <a:endParaRPr lang="da-DK"/>
           </a:p>
@@ -5312,7 +5312,7 @@
           <a:p>
             <a:fld id="{019E29B9-5584-4737-9C98-1B926378C778}" type="datetime1">
               <a:rPr lang="en-US" smtClean="0"/>
-              <a:t>5/28/2021</a:t>
+              <a:t>6/3/2021</a:t>
             </a:fld>
             <a:endParaRPr lang="da-DK"/>
           </a:p>
@@ -5559,7 +5559,7 @@
           <a:p>
             <a:fld id="{019E29B9-5584-4737-9C98-1B926378C778}" type="datetime1">
               <a:rPr lang="en-US" smtClean="0"/>
-              <a:t>5/28/2021</a:t>
+              <a:t>6/3/2021</a:t>
             </a:fld>
             <a:endParaRPr lang="da-DK"/>
           </a:p>
@@ -5770,7 +5770,7 @@
           <a:p>
             <a:fld id="{019E29B9-5584-4737-9C98-1B926378C778}" type="datetime1">
               <a:rPr lang="en-US" smtClean="0"/>
-              <a:t>5/28/2021</a:t>
+              <a:t>6/3/2021</a:t>
             </a:fld>
             <a:endParaRPr lang="da-DK"/>
           </a:p>
@@ -6203,7 +6203,7 @@
           <a:p>
             <a:fld id="{019E29B9-5584-4737-9C98-1B926378C778}" type="datetime1">
               <a:rPr lang="en-US" smtClean="0"/>
-              <a:t>5/28/2021</a:t>
+              <a:t>6/3/2021</a:t>
             </a:fld>
             <a:endParaRPr lang="da-DK"/>
           </a:p>
@@ -6428,7 +6428,7 @@
           <a:p>
             <a:fld id="{019E29B9-5584-4737-9C98-1B926378C778}" type="datetime1">
               <a:rPr lang="en-US" smtClean="0"/>
-              <a:t>5/28/2021</a:t>
+              <a:t>6/3/2021</a:t>
             </a:fld>
             <a:endParaRPr lang="da-DK"/>
           </a:p>
@@ -6635,7 +6635,7 @@
           <a:p>
             <a:fld id="{019E29B9-5584-4737-9C98-1B926378C778}" type="datetime1">
               <a:rPr lang="en-US" smtClean="0"/>
-              <a:t>5/28/2021</a:t>
+              <a:t>6/3/2021</a:t>
             </a:fld>
             <a:endParaRPr lang="da-DK"/>
           </a:p>
@@ -6865,7 +6865,7 @@
           <a:p>
             <a:fld id="{019E29B9-5584-4737-9C98-1B926378C778}" type="datetime1">
               <a:rPr lang="en-US" smtClean="0"/>
-              <a:t>5/28/2021</a:t>
+              <a:t>6/3/2021</a:t>
             </a:fld>
             <a:endParaRPr lang="da-DK"/>
           </a:p>
@@ -7118,7 +7118,7 @@
           <a:p>
             <a:fld id="{019E29B9-5584-4737-9C98-1B926378C778}" type="datetime1">
               <a:rPr lang="en-US" smtClean="0"/>
-              <a:t>5/28/2021</a:t>
+              <a:t>6/3/2021</a:t>
             </a:fld>
             <a:endParaRPr lang="da-DK"/>
           </a:p>
@@ -7348,7 +7348,7 @@
           <a:p>
             <a:fld id="{019E29B9-5584-4737-9C98-1B926378C778}" type="datetime1">
               <a:rPr lang="en-US" smtClean="0"/>
-              <a:t>5/28/2021</a:t>
+              <a:t>6/3/2021</a:t>
             </a:fld>
             <a:endParaRPr lang="da-DK"/>
           </a:p>
